--- a/pitch/MOTRA-Pitch-Deck.pptx
+++ b/pitch/MOTRA-Pitch-Deck.pptx
@@ -17,6 +17,7 @@
     <p:sldId id="265" r:id="rId16"/>
     <p:sldId id="266" r:id="rId17"/>
     <p:sldId id="267" r:id="rId18"/>
+    <p:sldId id="268" r:id="rId19"/>
   </p:sldIdLst>
   <p:sldSz cx="12191695" cy="6858000" type="screen4x3"/>
   <p:notesSz cx="6858000" cy="9144000"/>
@@ -3935,6 +3936,2120 @@
             </a:pPr>
             <a:r>
               <a:t>AUTONOMY, MAINTAINED</a:t>
+            </a:r>
+          </a:p>
+        </p:txBody>
+      </p:sp>
+    </p:spTree>
+  </p:cSld>
+  <p:clrMapOvr>
+    <a:masterClrMapping/>
+  </p:clrMapOvr>
+</p:sld>
+</file>
+
+<file path=ppt/slides/slide13.xml><?xml version="1.0" encoding="utf-8"?>
+<p:sld xmlns:a="http://schemas.openxmlformats.org/drawingml/2006/main" xmlns:p="http://schemas.openxmlformats.org/presentationml/2006/main" xmlns:r="http://schemas.openxmlformats.org/officeDocument/2006/relationships">
+  <p:cSld>
+    <p:spTree>
+      <p:nvGrpSpPr>
+        <p:cNvPr id="1" name=""/>
+        <p:cNvGrpSpPr/>
+        <p:nvPr/>
+      </p:nvGrpSpPr>
+      <p:grpSpPr/>
+      <p:sp>
+        <p:nvSpPr>
+          <p:cNvPr id="2" name="Rectangle 1"/>
+          <p:cNvSpPr/>
+          <p:nvPr/>
+        </p:nvSpPr>
+        <p:spPr>
+          <a:xfrm>
+            <a:off x="0" y="0"/>
+            <a:ext cx="12191695" cy="457200"/>
+          </a:xfrm>
+          <a:prstGeom prst="rect">
+            <a:avLst/>
+          </a:prstGeom>
+          <a:solidFill>
+            <a:srgbClr val="003366"/>
+          </a:solidFill>
+          <a:ln>
+            <a:noFill/>
+          </a:ln>
+        </p:spPr>
+        <p:style>
+          <a:lnRef idx="1">
+            <a:schemeClr val="accent1"/>
+          </a:lnRef>
+          <a:fillRef idx="3">
+            <a:schemeClr val="accent1"/>
+          </a:fillRef>
+          <a:effectRef idx="2">
+            <a:schemeClr val="accent1"/>
+          </a:effectRef>
+          <a:fontRef idx="minor">
+            <a:schemeClr val="lt1"/>
+          </a:fontRef>
+        </p:style>
+        <p:txBody>
+          <a:bodyPr rtlCol="0" anchor="ctr"/>
+          <a:lstStyle/>
+          <a:p>
+            <a:pPr algn="ctr"/>
+          </a:p>
+        </p:txBody>
+      </p:sp>
+      <p:sp>
+        <p:nvSpPr>
+          <p:cNvPr id="3" name="TextBox 2"/>
+          <p:cNvSpPr txBox="1"/>
+          <p:nvPr/>
+        </p:nvSpPr>
+        <p:spPr>
+          <a:xfrm>
+            <a:off x="137160" y="91440"/>
+            <a:ext cx="365760" cy="274320"/>
+          </a:xfrm>
+          <a:prstGeom prst="rect">
+            <a:avLst/>
+          </a:prstGeom>
+          <a:noFill/>
+        </p:spPr>
+        <p:txBody>
+          <a:bodyPr wrap="none">
+            <a:spAutoFit/>
+          </a:bodyPr>
+          <a:lstStyle/>
+          <a:p>
+            <a:pPr>
+              <a:defRPr sz="1200" b="1">
+                <a:solidFill>
+                  <a:srgbClr val="FFFFFF"/>
+                </a:solidFill>
+              </a:defRPr>
+            </a:pPr>
+            <a:r>
+              <a:t>12</a:t>
+            </a:r>
+          </a:p>
+        </p:txBody>
+      </p:sp>
+      <p:sp>
+        <p:nvSpPr>
+          <p:cNvPr id="4" name="TextBox 3"/>
+          <p:cNvSpPr txBox="1"/>
+          <p:nvPr/>
+        </p:nvSpPr>
+        <p:spPr>
+          <a:xfrm>
+            <a:off x="457200" y="91440"/>
+            <a:ext cx="7315200" cy="274320"/>
+          </a:xfrm>
+          <a:prstGeom prst="rect">
+            <a:avLst/>
+          </a:prstGeom>
+          <a:noFill/>
+        </p:spPr>
+        <p:txBody>
+          <a:bodyPr wrap="none">
+            <a:spAutoFit/>
+          </a:bodyPr>
+          <a:lstStyle/>
+          <a:p>
+            <a:pPr>
+              <a:defRPr sz="1800" b="1">
+                <a:solidFill>
+                  <a:srgbClr val="FFFFFF"/>
+                </a:solidFill>
+              </a:defRPr>
+            </a:pPr>
+            <a:r>
+              <a:t>BUSINESS MODEL CANVAS</a:t>
+            </a:r>
+          </a:p>
+        </p:txBody>
+      </p:sp>
+      <p:sp>
+        <p:nvSpPr>
+          <p:cNvPr id="5" name="Rounded Rectangle 4"/>
+          <p:cNvSpPr/>
+          <p:nvPr/>
+        </p:nvSpPr>
+        <p:spPr>
+          <a:xfrm>
+            <a:off x="137160" y="502920"/>
+            <a:ext cx="1719072" cy="2788920"/>
+          </a:xfrm>
+          <a:prstGeom prst="roundRect">
+            <a:avLst/>
+          </a:prstGeom>
+          <a:solidFill>
+            <a:srgbClr val="E8E4F0"/>
+          </a:solidFill>
+          <a:ln w="6350">
+            <a:solidFill>
+              <a:srgbClr val="C8C8C8"/>
+            </a:solidFill>
+          </a:ln>
+        </p:spPr>
+        <p:style>
+          <a:lnRef idx="1">
+            <a:schemeClr val="accent1"/>
+          </a:lnRef>
+          <a:fillRef idx="3">
+            <a:schemeClr val="accent1"/>
+          </a:fillRef>
+          <a:effectRef idx="2">
+            <a:schemeClr val="accent1"/>
+          </a:effectRef>
+          <a:fontRef idx="minor">
+            <a:schemeClr val="lt1"/>
+          </a:fontRef>
+        </p:style>
+        <p:txBody>
+          <a:bodyPr rtlCol="0" anchor="ctr"/>
+          <a:lstStyle/>
+          <a:p>
+            <a:pPr algn="ctr"/>
+          </a:p>
+        </p:txBody>
+      </p:sp>
+      <p:sp>
+        <p:nvSpPr>
+          <p:cNvPr id="6" name="TextBox 5"/>
+          <p:cNvSpPr txBox="1"/>
+          <p:nvPr/>
+        </p:nvSpPr>
+        <p:spPr>
+          <a:xfrm>
+            <a:off x="210312" y="548640"/>
+            <a:ext cx="1581912" cy="228600"/>
+          </a:xfrm>
+          <a:prstGeom prst="rect">
+            <a:avLst/>
+          </a:prstGeom>
+          <a:noFill/>
+        </p:spPr>
+        <p:txBody>
+          <a:bodyPr wrap="square">
+            <a:spAutoFit/>
+          </a:bodyPr>
+          <a:lstStyle/>
+          <a:p>
+            <a:pPr>
+              <a:defRPr sz="800" b="1">
+                <a:solidFill>
+                  <a:srgbClr val="003366"/>
+                </a:solidFill>
+              </a:defRPr>
+            </a:pPr>
+            <a:r>
+              <a:t>KEY PARTNERS</a:t>
+            </a:r>
+          </a:p>
+        </p:txBody>
+      </p:sp>
+      <p:sp>
+        <p:nvSpPr>
+          <p:cNvPr id="7" name="TextBox 6"/>
+          <p:cNvSpPr txBox="1"/>
+          <p:nvPr/>
+        </p:nvSpPr>
+        <p:spPr>
+          <a:xfrm>
+            <a:off x="210312" y="758952"/>
+            <a:ext cx="1581912" cy="2468880"/>
+          </a:xfrm>
+          <a:prstGeom prst="rect">
+            <a:avLst/>
+          </a:prstGeom>
+          <a:noFill/>
+        </p:spPr>
+        <p:txBody>
+          <a:bodyPr wrap="square">
+            <a:spAutoFit/>
+          </a:bodyPr>
+          <a:lstStyle/>
+          <a:p>
+            <a:pPr>
+              <a:spcAft>
+                <a:spcPts val="100"/>
+              </a:spcAft>
+              <a:defRPr sz="600">
+                <a:solidFill>
+                  <a:srgbClr val="323232"/>
+                </a:solidFill>
+              </a:defRPr>
+            </a:pPr>
+            <a:r>
+              <a:t>AV Ecosystem:</a:t>
+            </a:r>
+          </a:p>
+          <a:p>
+            <a:pPr>
+              <a:spcAft>
+                <a:spcPts val="100"/>
+              </a:spcAft>
+              <a:defRPr sz="600">
+                <a:solidFill>
+                  <a:srgbClr val="323232"/>
+                </a:solidFill>
+              </a:defRPr>
+            </a:pPr>
+            <a:r>
+              <a:t>• Waymo, Cruise, Zoox, Tesla</a:t>
+            </a:r>
+          </a:p>
+          <a:p>
+            <a:pPr>
+              <a:spcAft>
+                <a:spcPts val="100"/>
+              </a:spcAft>
+              <a:defRPr sz="600">
+                <a:solidFill>
+                  <a:srgbClr val="323232"/>
+                </a:solidFill>
+              </a:defRPr>
+            </a:pPr>
+            <a:r>
+              <a:t>• Fleet mgmt software</a:t>
+            </a:r>
+          </a:p>
+          <a:p>
+            <a:pPr>
+              <a:spcAft>
+                <a:spcPts val="100"/>
+              </a:spcAft>
+              <a:defRPr sz="600">
+                <a:solidFill>
+                  <a:srgbClr val="323232"/>
+                </a:solidFill>
+              </a:defRPr>
+            </a:pPr>
+          </a:p>
+          <a:p>
+            <a:pPr>
+              <a:spcAft>
+                <a:spcPts val="100"/>
+              </a:spcAft>
+              <a:defRPr sz="600">
+                <a:solidFill>
+                  <a:srgbClr val="323232"/>
+                </a:solidFill>
+              </a:defRPr>
+            </a:pPr>
+            <a:r>
+              <a:t>Gig Economy:</a:t>
+            </a:r>
+          </a:p>
+          <a:p>
+            <a:pPr>
+              <a:spcAft>
+                <a:spcPts val="100"/>
+              </a:spcAft>
+              <a:defRPr sz="600">
+                <a:solidFill>
+                  <a:srgbClr val="323232"/>
+                </a:solidFill>
+              </a:defRPr>
+            </a:pPr>
+            <a:r>
+              <a:t>• Existing gig platforms</a:t>
+            </a:r>
+          </a:p>
+          <a:p>
+            <a:pPr>
+              <a:spcAft>
+                <a:spcPts val="100"/>
+              </a:spcAft>
+              <a:defRPr sz="600">
+                <a:solidFill>
+                  <a:srgbClr val="323232"/>
+                </a:solidFill>
+              </a:defRPr>
+            </a:pPr>
+            <a:r>
+              <a:t>• Training providers</a:t>
+            </a:r>
+          </a:p>
+          <a:p>
+            <a:pPr>
+              <a:spcAft>
+                <a:spcPts val="100"/>
+              </a:spcAft>
+              <a:defRPr sz="600">
+                <a:solidFill>
+                  <a:srgbClr val="323232"/>
+                </a:solidFill>
+              </a:defRPr>
+            </a:pPr>
+            <a:r>
+              <a:t>• Equipment suppliers</a:t>
+            </a:r>
+          </a:p>
+          <a:p>
+            <a:pPr>
+              <a:spcAft>
+                <a:spcPts val="100"/>
+              </a:spcAft>
+              <a:defRPr sz="600">
+                <a:solidFill>
+                  <a:srgbClr val="323232"/>
+                </a:solidFill>
+              </a:defRPr>
+            </a:pPr>
+          </a:p>
+          <a:p>
+            <a:pPr>
+              <a:spcAft>
+                <a:spcPts val="100"/>
+              </a:spcAft>
+              <a:defRPr sz="600">
+                <a:solidFill>
+                  <a:srgbClr val="323232"/>
+                </a:solidFill>
+              </a:defRPr>
+            </a:pPr>
+            <a:r>
+              <a:t>Supporting:</a:t>
+            </a:r>
+          </a:p>
+          <a:p>
+            <a:pPr>
+              <a:spcAft>
+                <a:spcPts val="100"/>
+              </a:spcAft>
+              <a:defRPr sz="600">
+                <a:solidFill>
+                  <a:srgbClr val="323232"/>
+                </a:solidFill>
+              </a:defRPr>
+            </a:pPr>
+            <a:r>
+              <a:t>• Insurance providers</a:t>
+            </a:r>
+          </a:p>
+          <a:p>
+            <a:pPr>
+              <a:spcAft>
+                <a:spcPts val="100"/>
+              </a:spcAft>
+              <a:defRPr sz="600">
+                <a:solidFill>
+                  <a:srgbClr val="323232"/>
+                </a:solidFill>
+              </a:defRPr>
+            </a:pPr>
+            <a:r>
+              <a:t>• Background checks</a:t>
+            </a:r>
+          </a:p>
+          <a:p>
+            <a:pPr>
+              <a:spcAft>
+                <a:spcPts val="100"/>
+              </a:spcAft>
+              <a:defRPr sz="600">
+                <a:solidFill>
+                  <a:srgbClr val="323232"/>
+                </a:solidFill>
+              </a:defRPr>
+            </a:pPr>
+            <a:r>
+              <a:t>• Payment processing</a:t>
+            </a:r>
+          </a:p>
+        </p:txBody>
+      </p:sp>
+      <p:sp>
+        <p:nvSpPr>
+          <p:cNvPr id="8" name="Rounded Rectangle 7"/>
+          <p:cNvSpPr/>
+          <p:nvPr/>
+        </p:nvSpPr>
+        <p:spPr>
+          <a:xfrm>
+            <a:off x="1901952" y="502920"/>
+            <a:ext cx="1719072" cy="1371600"/>
+          </a:xfrm>
+          <a:prstGeom prst="roundRect">
+            <a:avLst/>
+          </a:prstGeom>
+          <a:solidFill>
+            <a:srgbClr val="E8E4F0"/>
+          </a:solidFill>
+          <a:ln w="6350">
+            <a:solidFill>
+              <a:srgbClr val="C8C8C8"/>
+            </a:solidFill>
+          </a:ln>
+        </p:spPr>
+        <p:style>
+          <a:lnRef idx="1">
+            <a:schemeClr val="accent1"/>
+          </a:lnRef>
+          <a:fillRef idx="3">
+            <a:schemeClr val="accent1"/>
+          </a:fillRef>
+          <a:effectRef idx="2">
+            <a:schemeClr val="accent1"/>
+          </a:effectRef>
+          <a:fontRef idx="minor">
+            <a:schemeClr val="lt1"/>
+          </a:fontRef>
+        </p:style>
+        <p:txBody>
+          <a:bodyPr rtlCol="0" anchor="ctr"/>
+          <a:lstStyle/>
+          <a:p>
+            <a:pPr algn="ctr"/>
+          </a:p>
+        </p:txBody>
+      </p:sp>
+      <p:sp>
+        <p:nvSpPr>
+          <p:cNvPr id="9" name="TextBox 8"/>
+          <p:cNvSpPr txBox="1"/>
+          <p:nvPr/>
+        </p:nvSpPr>
+        <p:spPr>
+          <a:xfrm>
+            <a:off x="1975104" y="548640"/>
+            <a:ext cx="1581912" cy="228600"/>
+          </a:xfrm>
+          <a:prstGeom prst="rect">
+            <a:avLst/>
+          </a:prstGeom>
+          <a:noFill/>
+        </p:spPr>
+        <p:txBody>
+          <a:bodyPr wrap="square">
+            <a:spAutoFit/>
+          </a:bodyPr>
+          <a:lstStyle/>
+          <a:p>
+            <a:pPr>
+              <a:defRPr sz="800" b="1">
+                <a:solidFill>
+                  <a:srgbClr val="003366"/>
+                </a:solidFill>
+              </a:defRPr>
+            </a:pPr>
+            <a:r>
+              <a:t>KEY ACTIVITIES</a:t>
+            </a:r>
+          </a:p>
+        </p:txBody>
+      </p:sp>
+      <p:sp>
+        <p:nvSpPr>
+          <p:cNvPr id="10" name="TextBox 9"/>
+          <p:cNvSpPr txBox="1"/>
+          <p:nvPr/>
+        </p:nvSpPr>
+        <p:spPr>
+          <a:xfrm>
+            <a:off x="1975104" y="758952"/>
+            <a:ext cx="1581912" cy="1051560"/>
+          </a:xfrm>
+          <a:prstGeom prst="rect">
+            <a:avLst/>
+          </a:prstGeom>
+          <a:noFill/>
+        </p:spPr>
+        <p:txBody>
+          <a:bodyPr wrap="square">
+            <a:spAutoFit/>
+          </a:bodyPr>
+          <a:lstStyle/>
+          <a:p>
+            <a:pPr>
+              <a:spcAft>
+                <a:spcPts val="100"/>
+              </a:spcAft>
+              <a:defRPr sz="600">
+                <a:solidFill>
+                  <a:srgbClr val="323232"/>
+                </a:solidFill>
+              </a:defRPr>
+            </a:pPr>
+            <a:r>
+              <a:t>• Platform development</a:t>
+            </a:r>
+          </a:p>
+          <a:p>
+            <a:pPr>
+              <a:spcAft>
+                <a:spcPts val="100"/>
+              </a:spcAft>
+              <a:defRPr sz="600">
+                <a:solidFill>
+                  <a:srgbClr val="323232"/>
+                </a:solidFill>
+              </a:defRPr>
+            </a:pPr>
+            <a:r>
+              <a:t>• Tech recruitment</a:t>
+            </a:r>
+          </a:p>
+          <a:p>
+            <a:pPr>
+              <a:spcAft>
+                <a:spcPts val="100"/>
+              </a:spcAft>
+              <a:defRPr sz="600">
+                <a:solidFill>
+                  <a:srgbClr val="323232"/>
+                </a:solidFill>
+              </a:defRPr>
+            </a:pPr>
+            <a:r>
+              <a:t>• AV-specific training</a:t>
+            </a:r>
+          </a:p>
+          <a:p>
+            <a:pPr>
+              <a:spcAft>
+                <a:spcPts val="100"/>
+              </a:spcAft>
+              <a:defRPr sz="600">
+                <a:solidFill>
+                  <a:srgbClr val="323232"/>
+                </a:solidFill>
+              </a:defRPr>
+            </a:pPr>
+            <a:r>
+              <a:t>• Quality assurance</a:t>
+            </a:r>
+          </a:p>
+          <a:p>
+            <a:pPr>
+              <a:spcAft>
+                <a:spcPts val="100"/>
+              </a:spcAft>
+              <a:defRPr sz="600">
+                <a:solidFill>
+                  <a:srgbClr val="323232"/>
+                </a:solidFill>
+              </a:defRPr>
+            </a:pPr>
+            <a:r>
+              <a:t>• Enterprise sales</a:t>
+            </a:r>
+          </a:p>
+        </p:txBody>
+      </p:sp>
+      <p:sp>
+        <p:nvSpPr>
+          <p:cNvPr id="11" name="Rounded Rectangle 10"/>
+          <p:cNvSpPr/>
+          <p:nvPr/>
+        </p:nvSpPr>
+        <p:spPr>
+          <a:xfrm>
+            <a:off x="1901952" y="1920240"/>
+            <a:ext cx="1719072" cy="1371600"/>
+          </a:xfrm>
+          <a:prstGeom prst="roundRect">
+            <a:avLst/>
+          </a:prstGeom>
+          <a:solidFill>
+            <a:srgbClr val="E8E4F0"/>
+          </a:solidFill>
+          <a:ln w="6350">
+            <a:solidFill>
+              <a:srgbClr val="C8C8C8"/>
+            </a:solidFill>
+          </a:ln>
+        </p:spPr>
+        <p:style>
+          <a:lnRef idx="1">
+            <a:schemeClr val="accent1"/>
+          </a:lnRef>
+          <a:fillRef idx="3">
+            <a:schemeClr val="accent1"/>
+          </a:fillRef>
+          <a:effectRef idx="2">
+            <a:schemeClr val="accent1"/>
+          </a:effectRef>
+          <a:fontRef idx="minor">
+            <a:schemeClr val="lt1"/>
+          </a:fontRef>
+        </p:style>
+        <p:txBody>
+          <a:bodyPr rtlCol="0" anchor="ctr"/>
+          <a:lstStyle/>
+          <a:p>
+            <a:pPr algn="ctr"/>
+          </a:p>
+        </p:txBody>
+      </p:sp>
+      <p:sp>
+        <p:nvSpPr>
+          <p:cNvPr id="12" name="TextBox 11"/>
+          <p:cNvSpPr txBox="1"/>
+          <p:nvPr/>
+        </p:nvSpPr>
+        <p:spPr>
+          <a:xfrm>
+            <a:off x="1975104" y="1965960"/>
+            <a:ext cx="1581912" cy="228600"/>
+          </a:xfrm>
+          <a:prstGeom prst="rect">
+            <a:avLst/>
+          </a:prstGeom>
+          <a:noFill/>
+        </p:spPr>
+        <p:txBody>
+          <a:bodyPr wrap="square">
+            <a:spAutoFit/>
+          </a:bodyPr>
+          <a:lstStyle/>
+          <a:p>
+            <a:pPr>
+              <a:defRPr sz="800" b="1">
+                <a:solidFill>
+                  <a:srgbClr val="003366"/>
+                </a:solidFill>
+              </a:defRPr>
+            </a:pPr>
+            <a:r>
+              <a:t>KEY RESOURCES</a:t>
+            </a:r>
+          </a:p>
+        </p:txBody>
+      </p:sp>
+      <p:sp>
+        <p:nvSpPr>
+          <p:cNvPr id="13" name="TextBox 12"/>
+          <p:cNvSpPr txBox="1"/>
+          <p:nvPr/>
+        </p:nvSpPr>
+        <p:spPr>
+          <a:xfrm>
+            <a:off x="1975104" y="2176272"/>
+            <a:ext cx="1581912" cy="1051560"/>
+          </a:xfrm>
+          <a:prstGeom prst="rect">
+            <a:avLst/>
+          </a:prstGeom>
+          <a:noFill/>
+        </p:spPr>
+        <p:txBody>
+          <a:bodyPr wrap="square">
+            <a:spAutoFit/>
+          </a:bodyPr>
+          <a:lstStyle/>
+          <a:p>
+            <a:pPr>
+              <a:spcAft>
+                <a:spcPts val="100"/>
+              </a:spcAft>
+              <a:defRPr sz="600">
+                <a:solidFill>
+                  <a:srgbClr val="323232"/>
+                </a:solidFill>
+              </a:defRPr>
+            </a:pPr>
+            <a:r>
+              <a:t>Technology:</a:t>
+            </a:r>
+          </a:p>
+          <a:p>
+            <a:pPr>
+              <a:spcAft>
+                <a:spcPts val="100"/>
+              </a:spcAft>
+              <a:defRPr sz="600">
+                <a:solidFill>
+                  <a:srgbClr val="323232"/>
+                </a:solidFill>
+              </a:defRPr>
+            </a:pPr>
+            <a:r>
+              <a:t>• Dispatch platform</a:t>
+            </a:r>
+          </a:p>
+          <a:p>
+            <a:pPr>
+              <a:spcAft>
+                <a:spcPts val="100"/>
+              </a:spcAft>
+              <a:defRPr sz="600">
+                <a:solidFill>
+                  <a:srgbClr val="323232"/>
+                </a:solidFill>
+              </a:defRPr>
+            </a:pPr>
+            <a:r>
+              <a:t>• Fleet dashboard</a:t>
+            </a:r>
+          </a:p>
+          <a:p>
+            <a:pPr>
+              <a:spcAft>
+                <a:spcPts val="100"/>
+              </a:spcAft>
+              <a:defRPr sz="600">
+                <a:solidFill>
+                  <a:srgbClr val="323232"/>
+                </a:solidFill>
+              </a:defRPr>
+            </a:pPr>
+            <a:r>
+              <a:t>• Technician app</a:t>
+            </a:r>
+          </a:p>
+          <a:p>
+            <a:pPr>
+              <a:spcAft>
+                <a:spcPts val="100"/>
+              </a:spcAft>
+              <a:defRPr sz="600">
+                <a:solidFill>
+                  <a:srgbClr val="323232"/>
+                </a:solidFill>
+              </a:defRPr>
+            </a:pPr>
+          </a:p>
+          <a:p>
+            <a:pPr>
+              <a:spcAft>
+                <a:spcPts val="100"/>
+              </a:spcAft>
+              <a:defRPr sz="600">
+                <a:solidFill>
+                  <a:srgbClr val="323232"/>
+                </a:solidFill>
+              </a:defRPr>
+            </a:pPr>
+            <a:r>
+              <a:t>Human:</a:t>
+            </a:r>
+          </a:p>
+          <a:p>
+            <a:pPr>
+              <a:spcAft>
+                <a:spcPts val="100"/>
+              </a:spcAft>
+              <a:defRPr sz="600">
+                <a:solidFill>
+                  <a:srgbClr val="323232"/>
+                </a:solidFill>
+              </a:defRPr>
+            </a:pPr>
+            <a:r>
+              <a:t>• Engineering team</a:t>
+            </a:r>
+          </a:p>
+          <a:p>
+            <a:pPr>
+              <a:spcAft>
+                <a:spcPts val="100"/>
+              </a:spcAft>
+              <a:defRPr sz="600">
+                <a:solidFill>
+                  <a:srgbClr val="323232"/>
+                </a:solidFill>
+              </a:defRPr>
+            </a:pPr>
+            <a:r>
+              <a:t>• Trained tech network</a:t>
+            </a:r>
+          </a:p>
+        </p:txBody>
+      </p:sp>
+      <p:sp>
+        <p:nvSpPr>
+          <p:cNvPr id="14" name="Rounded Rectangle 13"/>
+          <p:cNvSpPr/>
+          <p:nvPr/>
+        </p:nvSpPr>
+        <p:spPr>
+          <a:xfrm>
+            <a:off x="3666744" y="502920"/>
+            <a:ext cx="1719072" cy="2788920"/>
+          </a:xfrm>
+          <a:prstGeom prst="roundRect">
+            <a:avLst/>
+          </a:prstGeom>
+          <a:solidFill>
+            <a:srgbClr val="FCE4D6"/>
+          </a:solidFill>
+          <a:ln w="6350">
+            <a:solidFill>
+              <a:srgbClr val="C8C8C8"/>
+            </a:solidFill>
+          </a:ln>
+        </p:spPr>
+        <p:style>
+          <a:lnRef idx="1">
+            <a:schemeClr val="accent1"/>
+          </a:lnRef>
+          <a:fillRef idx="3">
+            <a:schemeClr val="accent1"/>
+          </a:fillRef>
+          <a:effectRef idx="2">
+            <a:schemeClr val="accent1"/>
+          </a:effectRef>
+          <a:fontRef idx="minor">
+            <a:schemeClr val="lt1"/>
+          </a:fontRef>
+        </p:style>
+        <p:txBody>
+          <a:bodyPr rtlCol="0" anchor="ctr"/>
+          <a:lstStyle/>
+          <a:p>
+            <a:pPr algn="ctr"/>
+          </a:p>
+        </p:txBody>
+      </p:sp>
+      <p:sp>
+        <p:nvSpPr>
+          <p:cNvPr id="15" name="TextBox 14"/>
+          <p:cNvSpPr txBox="1"/>
+          <p:nvPr/>
+        </p:nvSpPr>
+        <p:spPr>
+          <a:xfrm>
+            <a:off x="3739896" y="548640"/>
+            <a:ext cx="1581912" cy="228600"/>
+          </a:xfrm>
+          <a:prstGeom prst="rect">
+            <a:avLst/>
+          </a:prstGeom>
+          <a:noFill/>
+        </p:spPr>
+        <p:txBody>
+          <a:bodyPr wrap="square">
+            <a:spAutoFit/>
+          </a:bodyPr>
+          <a:lstStyle/>
+          <a:p>
+            <a:pPr>
+              <a:defRPr sz="800" b="1">
+                <a:solidFill>
+                  <a:srgbClr val="003366"/>
+                </a:solidFill>
+              </a:defRPr>
+            </a:pPr>
+            <a:r>
+              <a:t>VALUE PROPOSITIONS</a:t>
+            </a:r>
+          </a:p>
+        </p:txBody>
+      </p:sp>
+      <p:sp>
+        <p:nvSpPr>
+          <p:cNvPr id="16" name="TextBox 15"/>
+          <p:cNvSpPr txBox="1"/>
+          <p:nvPr/>
+        </p:nvSpPr>
+        <p:spPr>
+          <a:xfrm>
+            <a:off x="3739896" y="758952"/>
+            <a:ext cx="1581912" cy="2468880"/>
+          </a:xfrm>
+          <a:prstGeom prst="rect">
+            <a:avLst/>
+          </a:prstGeom>
+          <a:noFill/>
+        </p:spPr>
+        <p:txBody>
+          <a:bodyPr wrap="square">
+            <a:spAutoFit/>
+          </a:bodyPr>
+          <a:lstStyle/>
+          <a:p>
+            <a:pPr>
+              <a:spcAft>
+                <a:spcPts val="100"/>
+              </a:spcAft>
+              <a:defRPr sz="600">
+                <a:solidFill>
+                  <a:srgbClr val="323232"/>
+                </a:solidFill>
+              </a:defRPr>
+            </a:pPr>
+            <a:r>
+              <a:t>For Fleet Operators:</a:t>
+            </a:r>
+          </a:p>
+          <a:p>
+            <a:pPr>
+              <a:spcAft>
+                <a:spcPts val="100"/>
+              </a:spcAft>
+              <a:defRPr sz="600">
+                <a:solidFill>
+                  <a:srgbClr val="323232"/>
+                </a:solidFill>
+              </a:defRPr>
+            </a:pPr>
+            <a:r>
+              <a:t>• Reduce downtime</a:t>
+            </a:r>
+          </a:p>
+          <a:p>
+            <a:pPr>
+              <a:spcAft>
+                <a:spcPts val="100"/>
+              </a:spcAft>
+              <a:defRPr sz="600">
+                <a:solidFill>
+                  <a:srgbClr val="323232"/>
+                </a:solidFill>
+              </a:defRPr>
+            </a:pPr>
+            <a:r>
+              <a:t>• Variable cost model</a:t>
+            </a:r>
+          </a:p>
+          <a:p>
+            <a:pPr>
+              <a:spcAft>
+                <a:spcPts val="100"/>
+              </a:spcAft>
+              <a:defRPr sz="600">
+                <a:solidFill>
+                  <a:srgbClr val="323232"/>
+                </a:solidFill>
+              </a:defRPr>
+            </a:pPr>
+            <a:r>
+              <a:t>• Scale instantly</a:t>
+            </a:r>
+          </a:p>
+          <a:p>
+            <a:pPr>
+              <a:spcAft>
+                <a:spcPts val="100"/>
+              </a:spcAft>
+              <a:defRPr sz="600">
+                <a:solidFill>
+                  <a:srgbClr val="323232"/>
+                </a:solidFill>
+              </a:defRPr>
+            </a:pPr>
+            <a:r>
+              <a:t>• 24/7 availability</a:t>
+            </a:r>
+          </a:p>
+          <a:p>
+            <a:pPr>
+              <a:spcAft>
+                <a:spcPts val="100"/>
+              </a:spcAft>
+              <a:defRPr sz="600">
+                <a:solidFill>
+                  <a:srgbClr val="323232"/>
+                </a:solidFill>
+              </a:defRPr>
+            </a:pPr>
+            <a:r>
+              <a:t>• API integration</a:t>
+            </a:r>
+          </a:p>
+          <a:p>
+            <a:pPr>
+              <a:spcAft>
+                <a:spcPts val="100"/>
+              </a:spcAft>
+              <a:defRPr sz="600">
+                <a:solidFill>
+                  <a:srgbClr val="323232"/>
+                </a:solidFill>
+              </a:defRPr>
+            </a:pPr>
+          </a:p>
+          <a:p>
+            <a:pPr>
+              <a:spcAft>
+                <a:spcPts val="100"/>
+              </a:spcAft>
+              <a:defRPr sz="600">
+                <a:solidFill>
+                  <a:srgbClr val="323232"/>
+                </a:solidFill>
+              </a:defRPr>
+            </a:pPr>
+            <a:r>
+              <a:t>vs. In-House:</a:t>
+            </a:r>
+          </a:p>
+          <a:p>
+            <a:pPr>
+              <a:spcAft>
+                <a:spcPts val="100"/>
+              </a:spcAft>
+              <a:defRPr sz="600">
+                <a:solidFill>
+                  <a:srgbClr val="323232"/>
+                </a:solidFill>
+              </a:defRPr>
+            </a:pPr>
+            <a:r>
+              <a:t>• 50% cost reduction</a:t>
+            </a:r>
+          </a:p>
+          <a:p>
+            <a:pPr>
+              <a:spcAft>
+                <a:spcPts val="100"/>
+              </a:spcAft>
+              <a:defRPr sz="600">
+                <a:solidFill>
+                  <a:srgbClr val="323232"/>
+                </a:solidFill>
+              </a:defRPr>
+            </a:pPr>
+            <a:r>
+              <a:t>• 30% more uptime</a:t>
+            </a:r>
+          </a:p>
+          <a:p>
+            <a:pPr>
+              <a:spcAft>
+                <a:spcPts val="100"/>
+              </a:spcAft>
+              <a:defRPr sz="600">
+                <a:solidFill>
+                  <a:srgbClr val="323232"/>
+                </a:solidFill>
+              </a:defRPr>
+            </a:pPr>
+          </a:p>
+          <a:p>
+            <a:pPr>
+              <a:spcAft>
+                <a:spcPts val="100"/>
+              </a:spcAft>
+              <a:defRPr sz="600">
+                <a:solidFill>
+                  <a:srgbClr val="323232"/>
+                </a:solidFill>
+              </a:defRPr>
+            </a:pPr>
+            <a:r>
+              <a:t>For Technicians:</a:t>
+            </a:r>
+          </a:p>
+          <a:p>
+            <a:pPr>
+              <a:spcAft>
+                <a:spcPts val="100"/>
+              </a:spcAft>
+              <a:defRPr sz="600">
+                <a:solidFill>
+                  <a:srgbClr val="323232"/>
+                </a:solidFill>
+              </a:defRPr>
+            </a:pPr>
+            <a:r>
+              <a:t>• Flexible gig work</a:t>
+            </a:r>
+          </a:p>
+          <a:p>
+            <a:pPr>
+              <a:spcAft>
+                <a:spcPts val="100"/>
+              </a:spcAft>
+              <a:defRPr sz="600">
+                <a:solidFill>
+                  <a:srgbClr val="323232"/>
+                </a:solidFill>
+              </a:defRPr>
+            </a:pPr>
+            <a:r>
+              <a:t>• $15-20/hour</a:t>
+            </a:r>
+          </a:p>
+        </p:txBody>
+      </p:sp>
+      <p:sp>
+        <p:nvSpPr>
+          <p:cNvPr id="17" name="Rounded Rectangle 16"/>
+          <p:cNvSpPr/>
+          <p:nvPr/>
+        </p:nvSpPr>
+        <p:spPr>
+          <a:xfrm>
+            <a:off x="5431536" y="502920"/>
+            <a:ext cx="1719072" cy="1371600"/>
+          </a:xfrm>
+          <a:prstGeom prst="roundRect">
+            <a:avLst/>
+          </a:prstGeom>
+          <a:solidFill>
+            <a:srgbClr val="FFF9E6"/>
+          </a:solidFill>
+          <a:ln w="6350">
+            <a:solidFill>
+              <a:srgbClr val="C8C8C8"/>
+            </a:solidFill>
+          </a:ln>
+        </p:spPr>
+        <p:style>
+          <a:lnRef idx="1">
+            <a:schemeClr val="accent1"/>
+          </a:lnRef>
+          <a:fillRef idx="3">
+            <a:schemeClr val="accent1"/>
+          </a:fillRef>
+          <a:effectRef idx="2">
+            <a:schemeClr val="accent1"/>
+          </a:effectRef>
+          <a:fontRef idx="minor">
+            <a:schemeClr val="lt1"/>
+          </a:fontRef>
+        </p:style>
+        <p:txBody>
+          <a:bodyPr rtlCol="0" anchor="ctr"/>
+          <a:lstStyle/>
+          <a:p>
+            <a:pPr algn="ctr"/>
+          </a:p>
+        </p:txBody>
+      </p:sp>
+      <p:sp>
+        <p:nvSpPr>
+          <p:cNvPr id="18" name="TextBox 17"/>
+          <p:cNvSpPr txBox="1"/>
+          <p:nvPr/>
+        </p:nvSpPr>
+        <p:spPr>
+          <a:xfrm>
+            <a:off x="5504688" y="548640"/>
+            <a:ext cx="1581912" cy="228600"/>
+          </a:xfrm>
+          <a:prstGeom prst="rect">
+            <a:avLst/>
+          </a:prstGeom>
+          <a:noFill/>
+        </p:spPr>
+        <p:txBody>
+          <a:bodyPr wrap="square">
+            <a:spAutoFit/>
+          </a:bodyPr>
+          <a:lstStyle/>
+          <a:p>
+            <a:pPr>
+              <a:defRPr sz="800" b="1">
+                <a:solidFill>
+                  <a:srgbClr val="003366"/>
+                </a:solidFill>
+              </a:defRPr>
+            </a:pPr>
+            <a:r>
+              <a:t>CUSTOMER RELATIONSHIPS</a:t>
+            </a:r>
+          </a:p>
+        </p:txBody>
+      </p:sp>
+      <p:sp>
+        <p:nvSpPr>
+          <p:cNvPr id="19" name="TextBox 18"/>
+          <p:cNvSpPr txBox="1"/>
+          <p:nvPr/>
+        </p:nvSpPr>
+        <p:spPr>
+          <a:xfrm>
+            <a:off x="5504688" y="758952"/>
+            <a:ext cx="1581912" cy="1051560"/>
+          </a:xfrm>
+          <a:prstGeom prst="rect">
+            <a:avLst/>
+          </a:prstGeom>
+          <a:noFill/>
+        </p:spPr>
+        <p:txBody>
+          <a:bodyPr wrap="square">
+            <a:spAutoFit/>
+          </a:bodyPr>
+          <a:lstStyle/>
+          <a:p>
+            <a:pPr>
+              <a:spcAft>
+                <a:spcPts val="100"/>
+              </a:spcAft>
+              <a:defRPr sz="600">
+                <a:solidFill>
+                  <a:srgbClr val="323232"/>
+                </a:solidFill>
+              </a:defRPr>
+            </a:pPr>
+            <a:r>
+              <a:t>• Dedicated account mgrs</a:t>
+            </a:r>
+          </a:p>
+          <a:p>
+            <a:pPr>
+              <a:spcAft>
+                <a:spcPts val="100"/>
+              </a:spcAft>
+              <a:defRPr sz="600">
+                <a:solidFill>
+                  <a:srgbClr val="323232"/>
+                </a:solidFill>
+              </a:defRPr>
+            </a:pPr>
+            <a:r>
+              <a:t>• API integration support</a:t>
+            </a:r>
+          </a:p>
+          <a:p>
+            <a:pPr>
+              <a:spcAft>
+                <a:spcPts val="100"/>
+              </a:spcAft>
+              <a:defRPr sz="600">
+                <a:solidFill>
+                  <a:srgbClr val="323232"/>
+                </a:solidFill>
+              </a:defRPr>
+            </a:pPr>
+            <a:r>
+              <a:t>• Performance dashboards</a:t>
+            </a:r>
+          </a:p>
+          <a:p>
+            <a:pPr>
+              <a:spcAft>
+                <a:spcPts val="100"/>
+              </a:spcAft>
+              <a:defRPr sz="600">
+                <a:solidFill>
+                  <a:srgbClr val="323232"/>
+                </a:solidFill>
+              </a:defRPr>
+            </a:pPr>
+            <a:r>
+              <a:t>• SLA guarantees</a:t>
+            </a:r>
+          </a:p>
+          <a:p>
+            <a:pPr>
+              <a:spcAft>
+                <a:spcPts val="100"/>
+              </a:spcAft>
+              <a:defRPr sz="600">
+                <a:solidFill>
+                  <a:srgbClr val="323232"/>
+                </a:solidFill>
+              </a:defRPr>
+            </a:pPr>
+            <a:r>
+              <a:t>• 24/7 support</a:t>
+            </a:r>
+          </a:p>
+        </p:txBody>
+      </p:sp>
+      <p:sp>
+        <p:nvSpPr>
+          <p:cNvPr id="20" name="Rounded Rectangle 19"/>
+          <p:cNvSpPr/>
+          <p:nvPr/>
+        </p:nvSpPr>
+        <p:spPr>
+          <a:xfrm>
+            <a:off x="5431536" y="1920240"/>
+            <a:ext cx="1719072" cy="1371600"/>
+          </a:xfrm>
+          <a:prstGeom prst="roundRect">
+            <a:avLst/>
+          </a:prstGeom>
+          <a:solidFill>
+            <a:srgbClr val="FFF9E6"/>
+          </a:solidFill>
+          <a:ln w="6350">
+            <a:solidFill>
+              <a:srgbClr val="C8C8C8"/>
+            </a:solidFill>
+          </a:ln>
+        </p:spPr>
+        <p:style>
+          <a:lnRef idx="1">
+            <a:schemeClr val="accent1"/>
+          </a:lnRef>
+          <a:fillRef idx="3">
+            <a:schemeClr val="accent1"/>
+          </a:fillRef>
+          <a:effectRef idx="2">
+            <a:schemeClr val="accent1"/>
+          </a:effectRef>
+          <a:fontRef idx="minor">
+            <a:schemeClr val="lt1"/>
+          </a:fontRef>
+        </p:style>
+        <p:txBody>
+          <a:bodyPr rtlCol="0" anchor="ctr"/>
+          <a:lstStyle/>
+          <a:p>
+            <a:pPr algn="ctr"/>
+          </a:p>
+        </p:txBody>
+      </p:sp>
+      <p:sp>
+        <p:nvSpPr>
+          <p:cNvPr id="21" name="TextBox 20"/>
+          <p:cNvSpPr txBox="1"/>
+          <p:nvPr/>
+        </p:nvSpPr>
+        <p:spPr>
+          <a:xfrm>
+            <a:off x="5504688" y="1965960"/>
+            <a:ext cx="1581912" cy="228600"/>
+          </a:xfrm>
+          <a:prstGeom prst="rect">
+            <a:avLst/>
+          </a:prstGeom>
+          <a:noFill/>
+        </p:spPr>
+        <p:txBody>
+          <a:bodyPr wrap="square">
+            <a:spAutoFit/>
+          </a:bodyPr>
+          <a:lstStyle/>
+          <a:p>
+            <a:pPr>
+              <a:defRPr sz="800" b="1">
+                <a:solidFill>
+                  <a:srgbClr val="003366"/>
+                </a:solidFill>
+              </a:defRPr>
+            </a:pPr>
+            <a:r>
+              <a:t>CHANNELS</a:t>
+            </a:r>
+          </a:p>
+        </p:txBody>
+      </p:sp>
+      <p:sp>
+        <p:nvSpPr>
+          <p:cNvPr id="22" name="TextBox 21"/>
+          <p:cNvSpPr txBox="1"/>
+          <p:nvPr/>
+        </p:nvSpPr>
+        <p:spPr>
+          <a:xfrm>
+            <a:off x="5504688" y="2176272"/>
+            <a:ext cx="1581912" cy="1051560"/>
+          </a:xfrm>
+          <a:prstGeom prst="rect">
+            <a:avLst/>
+          </a:prstGeom>
+          <a:noFill/>
+        </p:spPr>
+        <p:txBody>
+          <a:bodyPr wrap="square">
+            <a:spAutoFit/>
+          </a:bodyPr>
+          <a:lstStyle/>
+          <a:p>
+            <a:pPr>
+              <a:spcAft>
+                <a:spcPts val="100"/>
+              </a:spcAft>
+              <a:defRPr sz="600">
+                <a:solidFill>
+                  <a:srgbClr val="323232"/>
+                </a:solidFill>
+              </a:defRPr>
+            </a:pPr>
+            <a:r>
+              <a:t>Acquisition:</a:t>
+            </a:r>
+          </a:p>
+          <a:p>
+            <a:pPr>
+              <a:spcAft>
+                <a:spcPts val="100"/>
+              </a:spcAft>
+              <a:defRPr sz="600">
+                <a:solidFill>
+                  <a:srgbClr val="323232"/>
+                </a:solidFill>
+              </a:defRPr>
+            </a:pPr>
+            <a:r>
+              <a:t>• Direct enterprise sales</a:t>
+            </a:r>
+          </a:p>
+          <a:p>
+            <a:pPr>
+              <a:spcAft>
+                <a:spcPts val="100"/>
+              </a:spcAft>
+              <a:defRPr sz="600">
+                <a:solidFill>
+                  <a:srgbClr val="323232"/>
+                </a:solidFill>
+              </a:defRPr>
+            </a:pPr>
+            <a:r>
+              <a:t>• Industry conferences</a:t>
+            </a:r>
+          </a:p>
+          <a:p>
+            <a:pPr>
+              <a:spcAft>
+                <a:spcPts val="100"/>
+              </a:spcAft>
+              <a:defRPr sz="600">
+                <a:solidFill>
+                  <a:srgbClr val="323232"/>
+                </a:solidFill>
+              </a:defRPr>
+            </a:pPr>
+          </a:p>
+          <a:p>
+            <a:pPr>
+              <a:spcAft>
+                <a:spcPts val="100"/>
+              </a:spcAft>
+              <a:defRPr sz="600">
+                <a:solidFill>
+                  <a:srgbClr val="323232"/>
+                </a:solidFill>
+              </a:defRPr>
+            </a:pPr>
+            <a:r>
+              <a:t>Delivery:</a:t>
+            </a:r>
+          </a:p>
+          <a:p>
+            <a:pPr>
+              <a:spcAft>
+                <a:spcPts val="100"/>
+              </a:spcAft>
+              <a:defRPr sz="600">
+                <a:solidFill>
+                  <a:srgbClr val="323232"/>
+                </a:solidFill>
+              </a:defRPr>
+            </a:pPr>
+            <a:r>
+              <a:t>• Fleet dashboard</a:t>
+            </a:r>
+          </a:p>
+          <a:p>
+            <a:pPr>
+              <a:spcAft>
+                <a:spcPts val="100"/>
+              </a:spcAft>
+              <a:defRPr sz="600">
+                <a:solidFill>
+                  <a:srgbClr val="323232"/>
+                </a:solidFill>
+              </a:defRPr>
+            </a:pPr>
+            <a:r>
+              <a:t>• API integration</a:t>
+            </a:r>
+          </a:p>
+          <a:p>
+            <a:pPr>
+              <a:spcAft>
+                <a:spcPts val="100"/>
+              </a:spcAft>
+              <a:defRPr sz="600">
+                <a:solidFill>
+                  <a:srgbClr val="323232"/>
+                </a:solidFill>
+              </a:defRPr>
+            </a:pPr>
+            <a:r>
+              <a:t>• Mobile dispatch</a:t>
+            </a:r>
+          </a:p>
+        </p:txBody>
+      </p:sp>
+      <p:sp>
+        <p:nvSpPr>
+          <p:cNvPr id="23" name="Rounded Rectangle 22"/>
+          <p:cNvSpPr/>
+          <p:nvPr/>
+        </p:nvSpPr>
+        <p:spPr>
+          <a:xfrm>
+            <a:off x="7196328" y="502920"/>
+            <a:ext cx="1719072" cy="2788920"/>
+          </a:xfrm>
+          <a:prstGeom prst="roundRect">
+            <a:avLst/>
+          </a:prstGeom>
+          <a:solidFill>
+            <a:srgbClr val="FFF9E6"/>
+          </a:solidFill>
+          <a:ln w="6350">
+            <a:solidFill>
+              <a:srgbClr val="C8C8C8"/>
+            </a:solidFill>
+          </a:ln>
+        </p:spPr>
+        <p:style>
+          <a:lnRef idx="1">
+            <a:schemeClr val="accent1"/>
+          </a:lnRef>
+          <a:fillRef idx="3">
+            <a:schemeClr val="accent1"/>
+          </a:fillRef>
+          <a:effectRef idx="2">
+            <a:schemeClr val="accent1"/>
+          </a:effectRef>
+          <a:fontRef idx="minor">
+            <a:schemeClr val="lt1"/>
+          </a:fontRef>
+        </p:style>
+        <p:txBody>
+          <a:bodyPr rtlCol="0" anchor="ctr"/>
+          <a:lstStyle/>
+          <a:p>
+            <a:pPr algn="ctr"/>
+          </a:p>
+        </p:txBody>
+      </p:sp>
+      <p:sp>
+        <p:nvSpPr>
+          <p:cNvPr id="24" name="TextBox 23"/>
+          <p:cNvSpPr txBox="1"/>
+          <p:nvPr/>
+        </p:nvSpPr>
+        <p:spPr>
+          <a:xfrm>
+            <a:off x="7269480" y="548640"/>
+            <a:ext cx="1581912" cy="228600"/>
+          </a:xfrm>
+          <a:prstGeom prst="rect">
+            <a:avLst/>
+          </a:prstGeom>
+          <a:noFill/>
+        </p:spPr>
+        <p:txBody>
+          <a:bodyPr wrap="square">
+            <a:spAutoFit/>
+          </a:bodyPr>
+          <a:lstStyle/>
+          <a:p>
+            <a:pPr>
+              <a:defRPr sz="800" b="1">
+                <a:solidFill>
+                  <a:srgbClr val="003366"/>
+                </a:solidFill>
+              </a:defRPr>
+            </a:pPr>
+            <a:r>
+              <a:t>CUSTOMER SEGMENTS</a:t>
+            </a:r>
+          </a:p>
+        </p:txBody>
+      </p:sp>
+      <p:sp>
+        <p:nvSpPr>
+          <p:cNvPr id="25" name="TextBox 24"/>
+          <p:cNvSpPr txBox="1"/>
+          <p:nvPr/>
+        </p:nvSpPr>
+        <p:spPr>
+          <a:xfrm>
+            <a:off x="7269480" y="758952"/>
+            <a:ext cx="1581912" cy="2468880"/>
+          </a:xfrm>
+          <a:prstGeom prst="rect">
+            <a:avLst/>
+          </a:prstGeom>
+          <a:noFill/>
+        </p:spPr>
+        <p:txBody>
+          <a:bodyPr wrap="square">
+            <a:spAutoFit/>
+          </a:bodyPr>
+          <a:lstStyle/>
+          <a:p>
+            <a:pPr>
+              <a:spcAft>
+                <a:spcPts val="100"/>
+              </a:spcAft>
+              <a:defRPr sz="600">
+                <a:solidFill>
+                  <a:srgbClr val="323232"/>
+                </a:solidFill>
+              </a:defRPr>
+            </a:pPr>
+            <a:r>
+              <a:t>Primary:</a:t>
+            </a:r>
+          </a:p>
+          <a:p>
+            <a:pPr>
+              <a:spcAft>
+                <a:spcPts val="100"/>
+              </a:spcAft>
+              <a:defRPr sz="600">
+                <a:solidFill>
+                  <a:srgbClr val="323232"/>
+                </a:solidFill>
+              </a:defRPr>
+            </a:pPr>
+            <a:r>
+              <a:t>• Waymo (2,500+ vehicles)</a:t>
+            </a:r>
+          </a:p>
+          <a:p>
+            <a:pPr>
+              <a:spcAft>
+                <a:spcPts val="100"/>
+              </a:spcAft>
+              <a:defRPr sz="600">
+                <a:solidFill>
+                  <a:srgbClr val="323232"/>
+                </a:solidFill>
+              </a:defRPr>
+            </a:pPr>
+            <a:r>
+              <a:t>• Cruise (rebuilding)</a:t>
+            </a:r>
+          </a:p>
+          <a:p>
+            <a:pPr>
+              <a:spcAft>
+                <a:spcPts val="100"/>
+              </a:spcAft>
+              <a:defRPr sz="600">
+                <a:solidFill>
+                  <a:srgbClr val="323232"/>
+                </a:solidFill>
+              </a:defRPr>
+            </a:pPr>
+            <a:r>
+              <a:t>• Zoox (Amazon)</a:t>
+            </a:r>
+          </a:p>
+          <a:p>
+            <a:pPr>
+              <a:spcAft>
+                <a:spcPts val="100"/>
+              </a:spcAft>
+              <a:defRPr sz="600">
+                <a:solidFill>
+                  <a:srgbClr val="323232"/>
+                </a:solidFill>
+              </a:defRPr>
+            </a:pPr>
+            <a:r>
+              <a:t>• Tesla Robotaxi</a:t>
+            </a:r>
+          </a:p>
+          <a:p>
+            <a:pPr>
+              <a:spcAft>
+                <a:spcPts val="100"/>
+              </a:spcAft>
+              <a:defRPr sz="600">
+                <a:solidFill>
+                  <a:srgbClr val="323232"/>
+                </a:solidFill>
+              </a:defRPr>
+            </a:pPr>
+          </a:p>
+          <a:p>
+            <a:pPr>
+              <a:spcAft>
+                <a:spcPts val="100"/>
+              </a:spcAft>
+              <a:defRPr sz="600">
+                <a:solidFill>
+                  <a:srgbClr val="323232"/>
+                </a:solidFill>
+              </a:defRPr>
+            </a:pPr>
+            <a:r>
+              <a:t>Secondary:</a:t>
+            </a:r>
+          </a:p>
+          <a:p>
+            <a:pPr>
+              <a:spcAft>
+                <a:spcPts val="100"/>
+              </a:spcAft>
+              <a:defRPr sz="600">
+                <a:solidFill>
+                  <a:srgbClr val="323232"/>
+                </a:solidFill>
+              </a:defRPr>
+            </a:pPr>
+            <a:r>
+              <a:t>• Amazon Delivery EVs</a:t>
+            </a:r>
+          </a:p>
+          <a:p>
+            <a:pPr>
+              <a:spcAft>
+                <a:spcPts val="100"/>
+              </a:spcAft>
+              <a:defRPr sz="600">
+                <a:solidFill>
+                  <a:srgbClr val="323232"/>
+                </a:solidFill>
+              </a:defRPr>
+            </a:pPr>
+            <a:r>
+              <a:t>• FedEx/UPS electric</a:t>
+            </a:r>
+          </a:p>
+          <a:p>
+            <a:pPr>
+              <a:spcAft>
+                <a:spcPts val="100"/>
+              </a:spcAft>
+              <a:defRPr sz="600">
+                <a:solidFill>
+                  <a:srgbClr val="323232"/>
+                </a:solidFill>
+              </a:defRPr>
+            </a:pPr>
+          </a:p>
+          <a:p>
+            <a:pPr>
+              <a:spcAft>
+                <a:spcPts val="100"/>
+              </a:spcAft>
+              <a:defRPr sz="600">
+                <a:solidFill>
+                  <a:srgbClr val="323232"/>
+                </a:solidFill>
+              </a:defRPr>
+            </a:pPr>
+            <a:r>
+              <a:t>Buyers:</a:t>
+            </a:r>
+          </a:p>
+          <a:p>
+            <a:pPr>
+              <a:spcAft>
+                <a:spcPts val="100"/>
+              </a:spcAft>
+              <a:defRPr sz="600">
+                <a:solidFill>
+                  <a:srgbClr val="323232"/>
+                </a:solidFill>
+              </a:defRPr>
+            </a:pPr>
+            <a:r>
+              <a:t>• VP of Operations</a:t>
+            </a:r>
+          </a:p>
+          <a:p>
+            <a:pPr>
+              <a:spcAft>
+                <a:spcPts val="100"/>
+              </a:spcAft>
+              <a:defRPr sz="600">
+                <a:solidFill>
+                  <a:srgbClr val="323232"/>
+                </a:solidFill>
+              </a:defRPr>
+            </a:pPr>
+            <a:r>
+              <a:t>• Fleet Ops Manager</a:t>
+            </a:r>
+          </a:p>
+        </p:txBody>
+      </p:sp>
+      <p:sp>
+        <p:nvSpPr>
+          <p:cNvPr id="26" name="Rounded Rectangle 25"/>
+          <p:cNvSpPr/>
+          <p:nvPr/>
+        </p:nvSpPr>
+        <p:spPr>
+          <a:xfrm>
+            <a:off x="137160" y="3337560"/>
+            <a:ext cx="3483864" cy="914400"/>
+          </a:xfrm>
+          <a:prstGeom prst="roundRect">
+            <a:avLst/>
+          </a:prstGeom>
+          <a:solidFill>
+            <a:srgbClr val="F0F0F0"/>
+          </a:solidFill>
+          <a:ln w="6350">
+            <a:solidFill>
+              <a:srgbClr val="C8C8C8"/>
+            </a:solidFill>
+          </a:ln>
+        </p:spPr>
+        <p:style>
+          <a:lnRef idx="1">
+            <a:schemeClr val="accent1"/>
+          </a:lnRef>
+          <a:fillRef idx="3">
+            <a:schemeClr val="accent1"/>
+          </a:fillRef>
+          <a:effectRef idx="2">
+            <a:schemeClr val="accent1"/>
+          </a:effectRef>
+          <a:fontRef idx="minor">
+            <a:schemeClr val="lt1"/>
+          </a:fontRef>
+        </p:style>
+        <p:txBody>
+          <a:bodyPr rtlCol="0" anchor="ctr"/>
+          <a:lstStyle/>
+          <a:p>
+            <a:pPr algn="ctr"/>
+          </a:p>
+        </p:txBody>
+      </p:sp>
+      <p:sp>
+        <p:nvSpPr>
+          <p:cNvPr id="27" name="TextBox 26"/>
+          <p:cNvSpPr txBox="1"/>
+          <p:nvPr/>
+        </p:nvSpPr>
+        <p:spPr>
+          <a:xfrm>
+            <a:off x="210312" y="3383280"/>
+            <a:ext cx="3346704" cy="228600"/>
+          </a:xfrm>
+          <a:prstGeom prst="rect">
+            <a:avLst/>
+          </a:prstGeom>
+          <a:noFill/>
+        </p:spPr>
+        <p:txBody>
+          <a:bodyPr wrap="square">
+            <a:spAutoFit/>
+          </a:bodyPr>
+          <a:lstStyle/>
+          <a:p>
+            <a:pPr>
+              <a:defRPr sz="800" b="1">
+                <a:solidFill>
+                  <a:srgbClr val="003366"/>
+                </a:solidFill>
+              </a:defRPr>
+            </a:pPr>
+            <a:r>
+              <a:t>COST STRUCTURE</a:t>
+            </a:r>
+          </a:p>
+        </p:txBody>
+      </p:sp>
+      <p:sp>
+        <p:nvSpPr>
+          <p:cNvPr id="28" name="TextBox 27"/>
+          <p:cNvSpPr txBox="1"/>
+          <p:nvPr/>
+        </p:nvSpPr>
+        <p:spPr>
+          <a:xfrm>
+            <a:off x="210312" y="3593592"/>
+            <a:ext cx="3346704" cy="594360"/>
+          </a:xfrm>
+          <a:prstGeom prst="rect">
+            <a:avLst/>
+          </a:prstGeom>
+          <a:noFill/>
+        </p:spPr>
+        <p:txBody>
+          <a:bodyPr wrap="square">
+            <a:spAutoFit/>
+          </a:bodyPr>
+          <a:lstStyle/>
+          <a:p>
+            <a:pPr>
+              <a:spcAft>
+                <a:spcPts val="100"/>
+              </a:spcAft>
+              <a:defRPr sz="600">
+                <a:solidFill>
+                  <a:srgbClr val="323232"/>
+                </a:solidFill>
+              </a:defRPr>
+            </a:pPr>
+            <a:r>
+              <a:t>Variable: Tech payouts (65-70%), Payment processing (2-3%)</a:t>
+            </a:r>
+          </a:p>
+          <a:p>
+            <a:pPr>
+              <a:spcAft>
+                <a:spcPts val="100"/>
+              </a:spcAft>
+              <a:defRPr sz="600">
+                <a:solidFill>
+                  <a:srgbClr val="323232"/>
+                </a:solidFill>
+              </a:defRPr>
+            </a:pPr>
+            <a:r>
+              <a:t>Fixed: Platform ($15-20K/mo), Team ($40-60K/mo), Marketing ($10-15K/mo)</a:t>
+            </a:r>
+          </a:p>
+          <a:p>
+            <a:pPr>
+              <a:spcAft>
+                <a:spcPts val="100"/>
+              </a:spcAft>
+              <a:defRPr sz="600">
+                <a:solidFill>
+                  <a:srgbClr val="323232"/>
+                </a:solidFill>
+              </a:defRPr>
+            </a:pPr>
+            <a:r>
+              <a:t>Seed: $1.5M total</a:t>
+            </a:r>
+          </a:p>
+        </p:txBody>
+      </p:sp>
+      <p:sp>
+        <p:nvSpPr>
+          <p:cNvPr id="29" name="Rounded Rectangle 28"/>
+          <p:cNvSpPr/>
+          <p:nvPr/>
+        </p:nvSpPr>
+        <p:spPr>
+          <a:xfrm>
+            <a:off x="3666744" y="3337560"/>
+            <a:ext cx="5248656" cy="914400"/>
+          </a:xfrm>
+          <a:prstGeom prst="roundRect">
+            <a:avLst/>
+          </a:prstGeom>
+          <a:solidFill>
+            <a:srgbClr val="DBEAFE"/>
+          </a:solidFill>
+          <a:ln w="6350">
+            <a:solidFill>
+              <a:srgbClr val="C8C8C8"/>
+            </a:solidFill>
+          </a:ln>
+        </p:spPr>
+        <p:style>
+          <a:lnRef idx="1">
+            <a:schemeClr val="accent1"/>
+          </a:lnRef>
+          <a:fillRef idx="3">
+            <a:schemeClr val="accent1"/>
+          </a:fillRef>
+          <a:effectRef idx="2">
+            <a:schemeClr val="accent1"/>
+          </a:effectRef>
+          <a:fontRef idx="minor">
+            <a:schemeClr val="lt1"/>
+          </a:fontRef>
+        </p:style>
+        <p:txBody>
+          <a:bodyPr rtlCol="0" anchor="ctr"/>
+          <a:lstStyle/>
+          <a:p>
+            <a:pPr algn="ctr"/>
+          </a:p>
+        </p:txBody>
+      </p:sp>
+      <p:sp>
+        <p:nvSpPr>
+          <p:cNvPr id="30" name="TextBox 29"/>
+          <p:cNvSpPr txBox="1"/>
+          <p:nvPr/>
+        </p:nvSpPr>
+        <p:spPr>
+          <a:xfrm>
+            <a:off x="3739896" y="3383280"/>
+            <a:ext cx="5111496" cy="228600"/>
+          </a:xfrm>
+          <a:prstGeom prst="rect">
+            <a:avLst/>
+          </a:prstGeom>
+          <a:noFill/>
+        </p:spPr>
+        <p:txBody>
+          <a:bodyPr wrap="square">
+            <a:spAutoFit/>
+          </a:bodyPr>
+          <a:lstStyle/>
+          <a:p>
+            <a:pPr>
+              <a:defRPr sz="800" b="1">
+                <a:solidFill>
+                  <a:srgbClr val="003366"/>
+                </a:solidFill>
+              </a:defRPr>
+            </a:pPr>
+            <a:r>
+              <a:t>REVENUE STREAMS</a:t>
+            </a:r>
+          </a:p>
+        </p:txBody>
+      </p:sp>
+      <p:sp>
+        <p:nvSpPr>
+          <p:cNvPr id="31" name="TextBox 30"/>
+          <p:cNvSpPr txBox="1"/>
+          <p:nvPr/>
+        </p:nvSpPr>
+        <p:spPr>
+          <a:xfrm>
+            <a:off x="3739896" y="3593592"/>
+            <a:ext cx="5111496" cy="594360"/>
+          </a:xfrm>
+          <a:prstGeom prst="rect">
+            <a:avLst/>
+          </a:prstGeom>
+          <a:noFill/>
+        </p:spPr>
+        <p:txBody>
+          <a:bodyPr wrap="square">
+            <a:spAutoFit/>
+          </a:bodyPr>
+          <a:lstStyle/>
+          <a:p>
+            <a:pPr>
+              <a:spcAft>
+                <a:spcPts val="100"/>
+              </a:spcAft>
+              <a:defRPr sz="600">
+                <a:solidFill>
+                  <a:srgbClr val="323232"/>
+                </a:solidFill>
+              </a:defRPr>
+            </a:pPr>
+            <a:r>
+              <a:t>Services: Quick ($12-18) | Deep ($45-75) | Emergency ($75-150)</a:t>
+            </a:r>
+          </a:p>
+          <a:p>
+            <a:pPr>
+              <a:spcAft>
+                <a:spcPts val="100"/>
+              </a:spcAft>
+              <a:defRPr sz="600">
+                <a:solidFill>
+                  <a:srgbClr val="323232"/>
+                </a:solidFill>
+              </a:defRPr>
+            </a:pPr>
+            <a:r>
+              <a:t>Unit Economics: Avg $15/service, 30% margin ($4-5), Target 10K/day</a:t>
+            </a:r>
+          </a:p>
+          <a:p>
+            <a:pPr>
+              <a:spcAft>
+                <a:spcPts val="100"/>
+              </a:spcAft>
+              <a:defRPr sz="600">
+                <a:solidFill>
+                  <a:srgbClr val="323232"/>
+                </a:solidFill>
+              </a:defRPr>
+            </a:pPr>
+            <a:r>
+              <a:t>Projections: Y1 $1.2M → Y2 $5.5M → Y3 $15M | TAM 2032: $5.5B</a:t>
             </a:r>
           </a:p>
         </p:txBody>

--- a/pitch/MOTRA-Pitch-Deck.pptx
+++ b/pitch/MOTRA-Pitch-Deck.pptx
@@ -17,7 +17,6 @@
     <p:sldId id="265" r:id="rId16"/>
     <p:sldId id="266" r:id="rId17"/>
     <p:sldId id="267" r:id="rId18"/>
-    <p:sldId id="268" r:id="rId19"/>
   </p:sldIdLst>
   <p:sldSz cx="12191695" cy="6858000" type="screen4x3"/>
   <p:notesSz cx="6858000" cy="9144000"/>
@@ -3936,2120 +3935,6 @@
             </a:pPr>
             <a:r>
               <a:t>AUTONOMY, MAINTAINED</a:t>
-            </a:r>
-          </a:p>
-        </p:txBody>
-      </p:sp>
-    </p:spTree>
-  </p:cSld>
-  <p:clrMapOvr>
-    <a:masterClrMapping/>
-  </p:clrMapOvr>
-</p:sld>
-</file>
-
-<file path=ppt/slides/slide13.xml><?xml version="1.0" encoding="utf-8"?>
-<p:sld xmlns:a="http://schemas.openxmlformats.org/drawingml/2006/main" xmlns:p="http://schemas.openxmlformats.org/presentationml/2006/main" xmlns:r="http://schemas.openxmlformats.org/officeDocument/2006/relationships">
-  <p:cSld>
-    <p:spTree>
-      <p:nvGrpSpPr>
-        <p:cNvPr id="1" name=""/>
-        <p:cNvGrpSpPr/>
-        <p:nvPr/>
-      </p:nvGrpSpPr>
-      <p:grpSpPr/>
-      <p:sp>
-        <p:nvSpPr>
-          <p:cNvPr id="2" name="Rectangle 1"/>
-          <p:cNvSpPr/>
-          <p:nvPr/>
-        </p:nvSpPr>
-        <p:spPr>
-          <a:xfrm>
-            <a:off x="0" y="0"/>
-            <a:ext cx="12191695" cy="457200"/>
-          </a:xfrm>
-          <a:prstGeom prst="rect">
-            <a:avLst/>
-          </a:prstGeom>
-          <a:solidFill>
-            <a:srgbClr val="003366"/>
-          </a:solidFill>
-          <a:ln>
-            <a:noFill/>
-          </a:ln>
-        </p:spPr>
-        <p:style>
-          <a:lnRef idx="1">
-            <a:schemeClr val="accent1"/>
-          </a:lnRef>
-          <a:fillRef idx="3">
-            <a:schemeClr val="accent1"/>
-          </a:fillRef>
-          <a:effectRef idx="2">
-            <a:schemeClr val="accent1"/>
-          </a:effectRef>
-          <a:fontRef idx="minor">
-            <a:schemeClr val="lt1"/>
-          </a:fontRef>
-        </p:style>
-        <p:txBody>
-          <a:bodyPr rtlCol="0" anchor="ctr"/>
-          <a:lstStyle/>
-          <a:p>
-            <a:pPr algn="ctr"/>
-          </a:p>
-        </p:txBody>
-      </p:sp>
-      <p:sp>
-        <p:nvSpPr>
-          <p:cNvPr id="3" name="TextBox 2"/>
-          <p:cNvSpPr txBox="1"/>
-          <p:nvPr/>
-        </p:nvSpPr>
-        <p:spPr>
-          <a:xfrm>
-            <a:off x="137160" y="91440"/>
-            <a:ext cx="365760" cy="274320"/>
-          </a:xfrm>
-          <a:prstGeom prst="rect">
-            <a:avLst/>
-          </a:prstGeom>
-          <a:noFill/>
-        </p:spPr>
-        <p:txBody>
-          <a:bodyPr wrap="none">
-            <a:spAutoFit/>
-          </a:bodyPr>
-          <a:lstStyle/>
-          <a:p>
-            <a:pPr>
-              <a:defRPr sz="1200" b="1">
-                <a:solidFill>
-                  <a:srgbClr val="FFFFFF"/>
-                </a:solidFill>
-              </a:defRPr>
-            </a:pPr>
-            <a:r>
-              <a:t>12</a:t>
-            </a:r>
-          </a:p>
-        </p:txBody>
-      </p:sp>
-      <p:sp>
-        <p:nvSpPr>
-          <p:cNvPr id="4" name="TextBox 3"/>
-          <p:cNvSpPr txBox="1"/>
-          <p:nvPr/>
-        </p:nvSpPr>
-        <p:spPr>
-          <a:xfrm>
-            <a:off x="457200" y="91440"/>
-            <a:ext cx="7315200" cy="274320"/>
-          </a:xfrm>
-          <a:prstGeom prst="rect">
-            <a:avLst/>
-          </a:prstGeom>
-          <a:noFill/>
-        </p:spPr>
-        <p:txBody>
-          <a:bodyPr wrap="none">
-            <a:spAutoFit/>
-          </a:bodyPr>
-          <a:lstStyle/>
-          <a:p>
-            <a:pPr>
-              <a:defRPr sz="1800" b="1">
-                <a:solidFill>
-                  <a:srgbClr val="FFFFFF"/>
-                </a:solidFill>
-              </a:defRPr>
-            </a:pPr>
-            <a:r>
-              <a:t>BUSINESS MODEL CANVAS</a:t>
-            </a:r>
-          </a:p>
-        </p:txBody>
-      </p:sp>
-      <p:sp>
-        <p:nvSpPr>
-          <p:cNvPr id="5" name="Rounded Rectangle 4"/>
-          <p:cNvSpPr/>
-          <p:nvPr/>
-        </p:nvSpPr>
-        <p:spPr>
-          <a:xfrm>
-            <a:off x="137160" y="502920"/>
-            <a:ext cx="1719072" cy="2788920"/>
-          </a:xfrm>
-          <a:prstGeom prst="roundRect">
-            <a:avLst/>
-          </a:prstGeom>
-          <a:solidFill>
-            <a:srgbClr val="E8E4F0"/>
-          </a:solidFill>
-          <a:ln w="6350">
-            <a:solidFill>
-              <a:srgbClr val="C8C8C8"/>
-            </a:solidFill>
-          </a:ln>
-        </p:spPr>
-        <p:style>
-          <a:lnRef idx="1">
-            <a:schemeClr val="accent1"/>
-          </a:lnRef>
-          <a:fillRef idx="3">
-            <a:schemeClr val="accent1"/>
-          </a:fillRef>
-          <a:effectRef idx="2">
-            <a:schemeClr val="accent1"/>
-          </a:effectRef>
-          <a:fontRef idx="minor">
-            <a:schemeClr val="lt1"/>
-          </a:fontRef>
-        </p:style>
-        <p:txBody>
-          <a:bodyPr rtlCol="0" anchor="ctr"/>
-          <a:lstStyle/>
-          <a:p>
-            <a:pPr algn="ctr"/>
-          </a:p>
-        </p:txBody>
-      </p:sp>
-      <p:sp>
-        <p:nvSpPr>
-          <p:cNvPr id="6" name="TextBox 5"/>
-          <p:cNvSpPr txBox="1"/>
-          <p:nvPr/>
-        </p:nvSpPr>
-        <p:spPr>
-          <a:xfrm>
-            <a:off x="210312" y="548640"/>
-            <a:ext cx="1581912" cy="228600"/>
-          </a:xfrm>
-          <a:prstGeom prst="rect">
-            <a:avLst/>
-          </a:prstGeom>
-          <a:noFill/>
-        </p:spPr>
-        <p:txBody>
-          <a:bodyPr wrap="square">
-            <a:spAutoFit/>
-          </a:bodyPr>
-          <a:lstStyle/>
-          <a:p>
-            <a:pPr>
-              <a:defRPr sz="800" b="1">
-                <a:solidFill>
-                  <a:srgbClr val="003366"/>
-                </a:solidFill>
-              </a:defRPr>
-            </a:pPr>
-            <a:r>
-              <a:t>KEY PARTNERS</a:t>
-            </a:r>
-          </a:p>
-        </p:txBody>
-      </p:sp>
-      <p:sp>
-        <p:nvSpPr>
-          <p:cNvPr id="7" name="TextBox 6"/>
-          <p:cNvSpPr txBox="1"/>
-          <p:nvPr/>
-        </p:nvSpPr>
-        <p:spPr>
-          <a:xfrm>
-            <a:off x="210312" y="758952"/>
-            <a:ext cx="1581912" cy="2468880"/>
-          </a:xfrm>
-          <a:prstGeom prst="rect">
-            <a:avLst/>
-          </a:prstGeom>
-          <a:noFill/>
-        </p:spPr>
-        <p:txBody>
-          <a:bodyPr wrap="square">
-            <a:spAutoFit/>
-          </a:bodyPr>
-          <a:lstStyle/>
-          <a:p>
-            <a:pPr>
-              <a:spcAft>
-                <a:spcPts val="100"/>
-              </a:spcAft>
-              <a:defRPr sz="600">
-                <a:solidFill>
-                  <a:srgbClr val="323232"/>
-                </a:solidFill>
-              </a:defRPr>
-            </a:pPr>
-            <a:r>
-              <a:t>AV Ecosystem:</a:t>
-            </a:r>
-          </a:p>
-          <a:p>
-            <a:pPr>
-              <a:spcAft>
-                <a:spcPts val="100"/>
-              </a:spcAft>
-              <a:defRPr sz="600">
-                <a:solidFill>
-                  <a:srgbClr val="323232"/>
-                </a:solidFill>
-              </a:defRPr>
-            </a:pPr>
-            <a:r>
-              <a:t>• Waymo, Cruise, Zoox, Tesla</a:t>
-            </a:r>
-          </a:p>
-          <a:p>
-            <a:pPr>
-              <a:spcAft>
-                <a:spcPts val="100"/>
-              </a:spcAft>
-              <a:defRPr sz="600">
-                <a:solidFill>
-                  <a:srgbClr val="323232"/>
-                </a:solidFill>
-              </a:defRPr>
-            </a:pPr>
-            <a:r>
-              <a:t>• Fleet mgmt software</a:t>
-            </a:r>
-          </a:p>
-          <a:p>
-            <a:pPr>
-              <a:spcAft>
-                <a:spcPts val="100"/>
-              </a:spcAft>
-              <a:defRPr sz="600">
-                <a:solidFill>
-                  <a:srgbClr val="323232"/>
-                </a:solidFill>
-              </a:defRPr>
-            </a:pPr>
-          </a:p>
-          <a:p>
-            <a:pPr>
-              <a:spcAft>
-                <a:spcPts val="100"/>
-              </a:spcAft>
-              <a:defRPr sz="600">
-                <a:solidFill>
-                  <a:srgbClr val="323232"/>
-                </a:solidFill>
-              </a:defRPr>
-            </a:pPr>
-            <a:r>
-              <a:t>Gig Economy:</a:t>
-            </a:r>
-          </a:p>
-          <a:p>
-            <a:pPr>
-              <a:spcAft>
-                <a:spcPts val="100"/>
-              </a:spcAft>
-              <a:defRPr sz="600">
-                <a:solidFill>
-                  <a:srgbClr val="323232"/>
-                </a:solidFill>
-              </a:defRPr>
-            </a:pPr>
-            <a:r>
-              <a:t>• Existing gig platforms</a:t>
-            </a:r>
-          </a:p>
-          <a:p>
-            <a:pPr>
-              <a:spcAft>
-                <a:spcPts val="100"/>
-              </a:spcAft>
-              <a:defRPr sz="600">
-                <a:solidFill>
-                  <a:srgbClr val="323232"/>
-                </a:solidFill>
-              </a:defRPr>
-            </a:pPr>
-            <a:r>
-              <a:t>• Training providers</a:t>
-            </a:r>
-          </a:p>
-          <a:p>
-            <a:pPr>
-              <a:spcAft>
-                <a:spcPts val="100"/>
-              </a:spcAft>
-              <a:defRPr sz="600">
-                <a:solidFill>
-                  <a:srgbClr val="323232"/>
-                </a:solidFill>
-              </a:defRPr>
-            </a:pPr>
-            <a:r>
-              <a:t>• Equipment suppliers</a:t>
-            </a:r>
-          </a:p>
-          <a:p>
-            <a:pPr>
-              <a:spcAft>
-                <a:spcPts val="100"/>
-              </a:spcAft>
-              <a:defRPr sz="600">
-                <a:solidFill>
-                  <a:srgbClr val="323232"/>
-                </a:solidFill>
-              </a:defRPr>
-            </a:pPr>
-          </a:p>
-          <a:p>
-            <a:pPr>
-              <a:spcAft>
-                <a:spcPts val="100"/>
-              </a:spcAft>
-              <a:defRPr sz="600">
-                <a:solidFill>
-                  <a:srgbClr val="323232"/>
-                </a:solidFill>
-              </a:defRPr>
-            </a:pPr>
-            <a:r>
-              <a:t>Supporting:</a:t>
-            </a:r>
-          </a:p>
-          <a:p>
-            <a:pPr>
-              <a:spcAft>
-                <a:spcPts val="100"/>
-              </a:spcAft>
-              <a:defRPr sz="600">
-                <a:solidFill>
-                  <a:srgbClr val="323232"/>
-                </a:solidFill>
-              </a:defRPr>
-            </a:pPr>
-            <a:r>
-              <a:t>• Insurance providers</a:t>
-            </a:r>
-          </a:p>
-          <a:p>
-            <a:pPr>
-              <a:spcAft>
-                <a:spcPts val="100"/>
-              </a:spcAft>
-              <a:defRPr sz="600">
-                <a:solidFill>
-                  <a:srgbClr val="323232"/>
-                </a:solidFill>
-              </a:defRPr>
-            </a:pPr>
-            <a:r>
-              <a:t>• Background checks</a:t>
-            </a:r>
-          </a:p>
-          <a:p>
-            <a:pPr>
-              <a:spcAft>
-                <a:spcPts val="100"/>
-              </a:spcAft>
-              <a:defRPr sz="600">
-                <a:solidFill>
-                  <a:srgbClr val="323232"/>
-                </a:solidFill>
-              </a:defRPr>
-            </a:pPr>
-            <a:r>
-              <a:t>• Payment processing</a:t>
-            </a:r>
-          </a:p>
-        </p:txBody>
-      </p:sp>
-      <p:sp>
-        <p:nvSpPr>
-          <p:cNvPr id="8" name="Rounded Rectangle 7"/>
-          <p:cNvSpPr/>
-          <p:nvPr/>
-        </p:nvSpPr>
-        <p:spPr>
-          <a:xfrm>
-            <a:off x="1901952" y="502920"/>
-            <a:ext cx="1719072" cy="1371600"/>
-          </a:xfrm>
-          <a:prstGeom prst="roundRect">
-            <a:avLst/>
-          </a:prstGeom>
-          <a:solidFill>
-            <a:srgbClr val="E8E4F0"/>
-          </a:solidFill>
-          <a:ln w="6350">
-            <a:solidFill>
-              <a:srgbClr val="C8C8C8"/>
-            </a:solidFill>
-          </a:ln>
-        </p:spPr>
-        <p:style>
-          <a:lnRef idx="1">
-            <a:schemeClr val="accent1"/>
-          </a:lnRef>
-          <a:fillRef idx="3">
-            <a:schemeClr val="accent1"/>
-          </a:fillRef>
-          <a:effectRef idx="2">
-            <a:schemeClr val="accent1"/>
-          </a:effectRef>
-          <a:fontRef idx="minor">
-            <a:schemeClr val="lt1"/>
-          </a:fontRef>
-        </p:style>
-        <p:txBody>
-          <a:bodyPr rtlCol="0" anchor="ctr"/>
-          <a:lstStyle/>
-          <a:p>
-            <a:pPr algn="ctr"/>
-          </a:p>
-        </p:txBody>
-      </p:sp>
-      <p:sp>
-        <p:nvSpPr>
-          <p:cNvPr id="9" name="TextBox 8"/>
-          <p:cNvSpPr txBox="1"/>
-          <p:nvPr/>
-        </p:nvSpPr>
-        <p:spPr>
-          <a:xfrm>
-            <a:off x="1975104" y="548640"/>
-            <a:ext cx="1581912" cy="228600"/>
-          </a:xfrm>
-          <a:prstGeom prst="rect">
-            <a:avLst/>
-          </a:prstGeom>
-          <a:noFill/>
-        </p:spPr>
-        <p:txBody>
-          <a:bodyPr wrap="square">
-            <a:spAutoFit/>
-          </a:bodyPr>
-          <a:lstStyle/>
-          <a:p>
-            <a:pPr>
-              <a:defRPr sz="800" b="1">
-                <a:solidFill>
-                  <a:srgbClr val="003366"/>
-                </a:solidFill>
-              </a:defRPr>
-            </a:pPr>
-            <a:r>
-              <a:t>KEY ACTIVITIES</a:t>
-            </a:r>
-          </a:p>
-        </p:txBody>
-      </p:sp>
-      <p:sp>
-        <p:nvSpPr>
-          <p:cNvPr id="10" name="TextBox 9"/>
-          <p:cNvSpPr txBox="1"/>
-          <p:nvPr/>
-        </p:nvSpPr>
-        <p:spPr>
-          <a:xfrm>
-            <a:off x="1975104" y="758952"/>
-            <a:ext cx="1581912" cy="1051560"/>
-          </a:xfrm>
-          <a:prstGeom prst="rect">
-            <a:avLst/>
-          </a:prstGeom>
-          <a:noFill/>
-        </p:spPr>
-        <p:txBody>
-          <a:bodyPr wrap="square">
-            <a:spAutoFit/>
-          </a:bodyPr>
-          <a:lstStyle/>
-          <a:p>
-            <a:pPr>
-              <a:spcAft>
-                <a:spcPts val="100"/>
-              </a:spcAft>
-              <a:defRPr sz="600">
-                <a:solidFill>
-                  <a:srgbClr val="323232"/>
-                </a:solidFill>
-              </a:defRPr>
-            </a:pPr>
-            <a:r>
-              <a:t>• Platform development</a:t>
-            </a:r>
-          </a:p>
-          <a:p>
-            <a:pPr>
-              <a:spcAft>
-                <a:spcPts val="100"/>
-              </a:spcAft>
-              <a:defRPr sz="600">
-                <a:solidFill>
-                  <a:srgbClr val="323232"/>
-                </a:solidFill>
-              </a:defRPr>
-            </a:pPr>
-            <a:r>
-              <a:t>• Tech recruitment</a:t>
-            </a:r>
-          </a:p>
-          <a:p>
-            <a:pPr>
-              <a:spcAft>
-                <a:spcPts val="100"/>
-              </a:spcAft>
-              <a:defRPr sz="600">
-                <a:solidFill>
-                  <a:srgbClr val="323232"/>
-                </a:solidFill>
-              </a:defRPr>
-            </a:pPr>
-            <a:r>
-              <a:t>• AV-specific training</a:t>
-            </a:r>
-          </a:p>
-          <a:p>
-            <a:pPr>
-              <a:spcAft>
-                <a:spcPts val="100"/>
-              </a:spcAft>
-              <a:defRPr sz="600">
-                <a:solidFill>
-                  <a:srgbClr val="323232"/>
-                </a:solidFill>
-              </a:defRPr>
-            </a:pPr>
-            <a:r>
-              <a:t>• Quality assurance</a:t>
-            </a:r>
-          </a:p>
-          <a:p>
-            <a:pPr>
-              <a:spcAft>
-                <a:spcPts val="100"/>
-              </a:spcAft>
-              <a:defRPr sz="600">
-                <a:solidFill>
-                  <a:srgbClr val="323232"/>
-                </a:solidFill>
-              </a:defRPr>
-            </a:pPr>
-            <a:r>
-              <a:t>• Enterprise sales</a:t>
-            </a:r>
-          </a:p>
-        </p:txBody>
-      </p:sp>
-      <p:sp>
-        <p:nvSpPr>
-          <p:cNvPr id="11" name="Rounded Rectangle 10"/>
-          <p:cNvSpPr/>
-          <p:nvPr/>
-        </p:nvSpPr>
-        <p:spPr>
-          <a:xfrm>
-            <a:off x="1901952" y="1920240"/>
-            <a:ext cx="1719072" cy="1371600"/>
-          </a:xfrm>
-          <a:prstGeom prst="roundRect">
-            <a:avLst/>
-          </a:prstGeom>
-          <a:solidFill>
-            <a:srgbClr val="E8E4F0"/>
-          </a:solidFill>
-          <a:ln w="6350">
-            <a:solidFill>
-              <a:srgbClr val="C8C8C8"/>
-            </a:solidFill>
-          </a:ln>
-        </p:spPr>
-        <p:style>
-          <a:lnRef idx="1">
-            <a:schemeClr val="accent1"/>
-          </a:lnRef>
-          <a:fillRef idx="3">
-            <a:schemeClr val="accent1"/>
-          </a:fillRef>
-          <a:effectRef idx="2">
-            <a:schemeClr val="accent1"/>
-          </a:effectRef>
-          <a:fontRef idx="minor">
-            <a:schemeClr val="lt1"/>
-          </a:fontRef>
-        </p:style>
-        <p:txBody>
-          <a:bodyPr rtlCol="0" anchor="ctr"/>
-          <a:lstStyle/>
-          <a:p>
-            <a:pPr algn="ctr"/>
-          </a:p>
-        </p:txBody>
-      </p:sp>
-      <p:sp>
-        <p:nvSpPr>
-          <p:cNvPr id="12" name="TextBox 11"/>
-          <p:cNvSpPr txBox="1"/>
-          <p:nvPr/>
-        </p:nvSpPr>
-        <p:spPr>
-          <a:xfrm>
-            <a:off x="1975104" y="1965960"/>
-            <a:ext cx="1581912" cy="228600"/>
-          </a:xfrm>
-          <a:prstGeom prst="rect">
-            <a:avLst/>
-          </a:prstGeom>
-          <a:noFill/>
-        </p:spPr>
-        <p:txBody>
-          <a:bodyPr wrap="square">
-            <a:spAutoFit/>
-          </a:bodyPr>
-          <a:lstStyle/>
-          <a:p>
-            <a:pPr>
-              <a:defRPr sz="800" b="1">
-                <a:solidFill>
-                  <a:srgbClr val="003366"/>
-                </a:solidFill>
-              </a:defRPr>
-            </a:pPr>
-            <a:r>
-              <a:t>KEY RESOURCES</a:t>
-            </a:r>
-          </a:p>
-        </p:txBody>
-      </p:sp>
-      <p:sp>
-        <p:nvSpPr>
-          <p:cNvPr id="13" name="TextBox 12"/>
-          <p:cNvSpPr txBox="1"/>
-          <p:nvPr/>
-        </p:nvSpPr>
-        <p:spPr>
-          <a:xfrm>
-            <a:off x="1975104" y="2176272"/>
-            <a:ext cx="1581912" cy="1051560"/>
-          </a:xfrm>
-          <a:prstGeom prst="rect">
-            <a:avLst/>
-          </a:prstGeom>
-          <a:noFill/>
-        </p:spPr>
-        <p:txBody>
-          <a:bodyPr wrap="square">
-            <a:spAutoFit/>
-          </a:bodyPr>
-          <a:lstStyle/>
-          <a:p>
-            <a:pPr>
-              <a:spcAft>
-                <a:spcPts val="100"/>
-              </a:spcAft>
-              <a:defRPr sz="600">
-                <a:solidFill>
-                  <a:srgbClr val="323232"/>
-                </a:solidFill>
-              </a:defRPr>
-            </a:pPr>
-            <a:r>
-              <a:t>Technology:</a:t>
-            </a:r>
-          </a:p>
-          <a:p>
-            <a:pPr>
-              <a:spcAft>
-                <a:spcPts val="100"/>
-              </a:spcAft>
-              <a:defRPr sz="600">
-                <a:solidFill>
-                  <a:srgbClr val="323232"/>
-                </a:solidFill>
-              </a:defRPr>
-            </a:pPr>
-            <a:r>
-              <a:t>• Dispatch platform</a:t>
-            </a:r>
-          </a:p>
-          <a:p>
-            <a:pPr>
-              <a:spcAft>
-                <a:spcPts val="100"/>
-              </a:spcAft>
-              <a:defRPr sz="600">
-                <a:solidFill>
-                  <a:srgbClr val="323232"/>
-                </a:solidFill>
-              </a:defRPr>
-            </a:pPr>
-            <a:r>
-              <a:t>• Fleet dashboard</a:t>
-            </a:r>
-          </a:p>
-          <a:p>
-            <a:pPr>
-              <a:spcAft>
-                <a:spcPts val="100"/>
-              </a:spcAft>
-              <a:defRPr sz="600">
-                <a:solidFill>
-                  <a:srgbClr val="323232"/>
-                </a:solidFill>
-              </a:defRPr>
-            </a:pPr>
-            <a:r>
-              <a:t>• Technician app</a:t>
-            </a:r>
-          </a:p>
-          <a:p>
-            <a:pPr>
-              <a:spcAft>
-                <a:spcPts val="100"/>
-              </a:spcAft>
-              <a:defRPr sz="600">
-                <a:solidFill>
-                  <a:srgbClr val="323232"/>
-                </a:solidFill>
-              </a:defRPr>
-            </a:pPr>
-          </a:p>
-          <a:p>
-            <a:pPr>
-              <a:spcAft>
-                <a:spcPts val="100"/>
-              </a:spcAft>
-              <a:defRPr sz="600">
-                <a:solidFill>
-                  <a:srgbClr val="323232"/>
-                </a:solidFill>
-              </a:defRPr>
-            </a:pPr>
-            <a:r>
-              <a:t>Human:</a:t>
-            </a:r>
-          </a:p>
-          <a:p>
-            <a:pPr>
-              <a:spcAft>
-                <a:spcPts val="100"/>
-              </a:spcAft>
-              <a:defRPr sz="600">
-                <a:solidFill>
-                  <a:srgbClr val="323232"/>
-                </a:solidFill>
-              </a:defRPr>
-            </a:pPr>
-            <a:r>
-              <a:t>• Engineering team</a:t>
-            </a:r>
-          </a:p>
-          <a:p>
-            <a:pPr>
-              <a:spcAft>
-                <a:spcPts val="100"/>
-              </a:spcAft>
-              <a:defRPr sz="600">
-                <a:solidFill>
-                  <a:srgbClr val="323232"/>
-                </a:solidFill>
-              </a:defRPr>
-            </a:pPr>
-            <a:r>
-              <a:t>• Trained tech network</a:t>
-            </a:r>
-          </a:p>
-        </p:txBody>
-      </p:sp>
-      <p:sp>
-        <p:nvSpPr>
-          <p:cNvPr id="14" name="Rounded Rectangle 13"/>
-          <p:cNvSpPr/>
-          <p:nvPr/>
-        </p:nvSpPr>
-        <p:spPr>
-          <a:xfrm>
-            <a:off x="3666744" y="502920"/>
-            <a:ext cx="1719072" cy="2788920"/>
-          </a:xfrm>
-          <a:prstGeom prst="roundRect">
-            <a:avLst/>
-          </a:prstGeom>
-          <a:solidFill>
-            <a:srgbClr val="FCE4D6"/>
-          </a:solidFill>
-          <a:ln w="6350">
-            <a:solidFill>
-              <a:srgbClr val="C8C8C8"/>
-            </a:solidFill>
-          </a:ln>
-        </p:spPr>
-        <p:style>
-          <a:lnRef idx="1">
-            <a:schemeClr val="accent1"/>
-          </a:lnRef>
-          <a:fillRef idx="3">
-            <a:schemeClr val="accent1"/>
-          </a:fillRef>
-          <a:effectRef idx="2">
-            <a:schemeClr val="accent1"/>
-          </a:effectRef>
-          <a:fontRef idx="minor">
-            <a:schemeClr val="lt1"/>
-          </a:fontRef>
-        </p:style>
-        <p:txBody>
-          <a:bodyPr rtlCol="0" anchor="ctr"/>
-          <a:lstStyle/>
-          <a:p>
-            <a:pPr algn="ctr"/>
-          </a:p>
-        </p:txBody>
-      </p:sp>
-      <p:sp>
-        <p:nvSpPr>
-          <p:cNvPr id="15" name="TextBox 14"/>
-          <p:cNvSpPr txBox="1"/>
-          <p:nvPr/>
-        </p:nvSpPr>
-        <p:spPr>
-          <a:xfrm>
-            <a:off x="3739896" y="548640"/>
-            <a:ext cx="1581912" cy="228600"/>
-          </a:xfrm>
-          <a:prstGeom prst="rect">
-            <a:avLst/>
-          </a:prstGeom>
-          <a:noFill/>
-        </p:spPr>
-        <p:txBody>
-          <a:bodyPr wrap="square">
-            <a:spAutoFit/>
-          </a:bodyPr>
-          <a:lstStyle/>
-          <a:p>
-            <a:pPr>
-              <a:defRPr sz="800" b="1">
-                <a:solidFill>
-                  <a:srgbClr val="003366"/>
-                </a:solidFill>
-              </a:defRPr>
-            </a:pPr>
-            <a:r>
-              <a:t>VALUE PROPOSITIONS</a:t>
-            </a:r>
-          </a:p>
-        </p:txBody>
-      </p:sp>
-      <p:sp>
-        <p:nvSpPr>
-          <p:cNvPr id="16" name="TextBox 15"/>
-          <p:cNvSpPr txBox="1"/>
-          <p:nvPr/>
-        </p:nvSpPr>
-        <p:spPr>
-          <a:xfrm>
-            <a:off x="3739896" y="758952"/>
-            <a:ext cx="1581912" cy="2468880"/>
-          </a:xfrm>
-          <a:prstGeom prst="rect">
-            <a:avLst/>
-          </a:prstGeom>
-          <a:noFill/>
-        </p:spPr>
-        <p:txBody>
-          <a:bodyPr wrap="square">
-            <a:spAutoFit/>
-          </a:bodyPr>
-          <a:lstStyle/>
-          <a:p>
-            <a:pPr>
-              <a:spcAft>
-                <a:spcPts val="100"/>
-              </a:spcAft>
-              <a:defRPr sz="600">
-                <a:solidFill>
-                  <a:srgbClr val="323232"/>
-                </a:solidFill>
-              </a:defRPr>
-            </a:pPr>
-            <a:r>
-              <a:t>For Fleet Operators:</a:t>
-            </a:r>
-          </a:p>
-          <a:p>
-            <a:pPr>
-              <a:spcAft>
-                <a:spcPts val="100"/>
-              </a:spcAft>
-              <a:defRPr sz="600">
-                <a:solidFill>
-                  <a:srgbClr val="323232"/>
-                </a:solidFill>
-              </a:defRPr>
-            </a:pPr>
-            <a:r>
-              <a:t>• Reduce downtime</a:t>
-            </a:r>
-          </a:p>
-          <a:p>
-            <a:pPr>
-              <a:spcAft>
-                <a:spcPts val="100"/>
-              </a:spcAft>
-              <a:defRPr sz="600">
-                <a:solidFill>
-                  <a:srgbClr val="323232"/>
-                </a:solidFill>
-              </a:defRPr>
-            </a:pPr>
-            <a:r>
-              <a:t>• Variable cost model</a:t>
-            </a:r>
-          </a:p>
-          <a:p>
-            <a:pPr>
-              <a:spcAft>
-                <a:spcPts val="100"/>
-              </a:spcAft>
-              <a:defRPr sz="600">
-                <a:solidFill>
-                  <a:srgbClr val="323232"/>
-                </a:solidFill>
-              </a:defRPr>
-            </a:pPr>
-            <a:r>
-              <a:t>• Scale instantly</a:t>
-            </a:r>
-          </a:p>
-          <a:p>
-            <a:pPr>
-              <a:spcAft>
-                <a:spcPts val="100"/>
-              </a:spcAft>
-              <a:defRPr sz="600">
-                <a:solidFill>
-                  <a:srgbClr val="323232"/>
-                </a:solidFill>
-              </a:defRPr>
-            </a:pPr>
-            <a:r>
-              <a:t>• 24/7 availability</a:t>
-            </a:r>
-          </a:p>
-          <a:p>
-            <a:pPr>
-              <a:spcAft>
-                <a:spcPts val="100"/>
-              </a:spcAft>
-              <a:defRPr sz="600">
-                <a:solidFill>
-                  <a:srgbClr val="323232"/>
-                </a:solidFill>
-              </a:defRPr>
-            </a:pPr>
-            <a:r>
-              <a:t>• API integration</a:t>
-            </a:r>
-          </a:p>
-          <a:p>
-            <a:pPr>
-              <a:spcAft>
-                <a:spcPts val="100"/>
-              </a:spcAft>
-              <a:defRPr sz="600">
-                <a:solidFill>
-                  <a:srgbClr val="323232"/>
-                </a:solidFill>
-              </a:defRPr>
-            </a:pPr>
-          </a:p>
-          <a:p>
-            <a:pPr>
-              <a:spcAft>
-                <a:spcPts val="100"/>
-              </a:spcAft>
-              <a:defRPr sz="600">
-                <a:solidFill>
-                  <a:srgbClr val="323232"/>
-                </a:solidFill>
-              </a:defRPr>
-            </a:pPr>
-            <a:r>
-              <a:t>vs. In-House:</a:t>
-            </a:r>
-          </a:p>
-          <a:p>
-            <a:pPr>
-              <a:spcAft>
-                <a:spcPts val="100"/>
-              </a:spcAft>
-              <a:defRPr sz="600">
-                <a:solidFill>
-                  <a:srgbClr val="323232"/>
-                </a:solidFill>
-              </a:defRPr>
-            </a:pPr>
-            <a:r>
-              <a:t>• 50% cost reduction</a:t>
-            </a:r>
-          </a:p>
-          <a:p>
-            <a:pPr>
-              <a:spcAft>
-                <a:spcPts val="100"/>
-              </a:spcAft>
-              <a:defRPr sz="600">
-                <a:solidFill>
-                  <a:srgbClr val="323232"/>
-                </a:solidFill>
-              </a:defRPr>
-            </a:pPr>
-            <a:r>
-              <a:t>• 30% more uptime</a:t>
-            </a:r>
-          </a:p>
-          <a:p>
-            <a:pPr>
-              <a:spcAft>
-                <a:spcPts val="100"/>
-              </a:spcAft>
-              <a:defRPr sz="600">
-                <a:solidFill>
-                  <a:srgbClr val="323232"/>
-                </a:solidFill>
-              </a:defRPr>
-            </a:pPr>
-          </a:p>
-          <a:p>
-            <a:pPr>
-              <a:spcAft>
-                <a:spcPts val="100"/>
-              </a:spcAft>
-              <a:defRPr sz="600">
-                <a:solidFill>
-                  <a:srgbClr val="323232"/>
-                </a:solidFill>
-              </a:defRPr>
-            </a:pPr>
-            <a:r>
-              <a:t>For Technicians:</a:t>
-            </a:r>
-          </a:p>
-          <a:p>
-            <a:pPr>
-              <a:spcAft>
-                <a:spcPts val="100"/>
-              </a:spcAft>
-              <a:defRPr sz="600">
-                <a:solidFill>
-                  <a:srgbClr val="323232"/>
-                </a:solidFill>
-              </a:defRPr>
-            </a:pPr>
-            <a:r>
-              <a:t>• Flexible gig work</a:t>
-            </a:r>
-          </a:p>
-          <a:p>
-            <a:pPr>
-              <a:spcAft>
-                <a:spcPts val="100"/>
-              </a:spcAft>
-              <a:defRPr sz="600">
-                <a:solidFill>
-                  <a:srgbClr val="323232"/>
-                </a:solidFill>
-              </a:defRPr>
-            </a:pPr>
-            <a:r>
-              <a:t>• $15-20/hour</a:t>
-            </a:r>
-          </a:p>
-        </p:txBody>
-      </p:sp>
-      <p:sp>
-        <p:nvSpPr>
-          <p:cNvPr id="17" name="Rounded Rectangle 16"/>
-          <p:cNvSpPr/>
-          <p:nvPr/>
-        </p:nvSpPr>
-        <p:spPr>
-          <a:xfrm>
-            <a:off x="5431536" y="502920"/>
-            <a:ext cx="1719072" cy="1371600"/>
-          </a:xfrm>
-          <a:prstGeom prst="roundRect">
-            <a:avLst/>
-          </a:prstGeom>
-          <a:solidFill>
-            <a:srgbClr val="FFF9E6"/>
-          </a:solidFill>
-          <a:ln w="6350">
-            <a:solidFill>
-              <a:srgbClr val="C8C8C8"/>
-            </a:solidFill>
-          </a:ln>
-        </p:spPr>
-        <p:style>
-          <a:lnRef idx="1">
-            <a:schemeClr val="accent1"/>
-          </a:lnRef>
-          <a:fillRef idx="3">
-            <a:schemeClr val="accent1"/>
-          </a:fillRef>
-          <a:effectRef idx="2">
-            <a:schemeClr val="accent1"/>
-          </a:effectRef>
-          <a:fontRef idx="minor">
-            <a:schemeClr val="lt1"/>
-          </a:fontRef>
-        </p:style>
-        <p:txBody>
-          <a:bodyPr rtlCol="0" anchor="ctr"/>
-          <a:lstStyle/>
-          <a:p>
-            <a:pPr algn="ctr"/>
-          </a:p>
-        </p:txBody>
-      </p:sp>
-      <p:sp>
-        <p:nvSpPr>
-          <p:cNvPr id="18" name="TextBox 17"/>
-          <p:cNvSpPr txBox="1"/>
-          <p:nvPr/>
-        </p:nvSpPr>
-        <p:spPr>
-          <a:xfrm>
-            <a:off x="5504688" y="548640"/>
-            <a:ext cx="1581912" cy="228600"/>
-          </a:xfrm>
-          <a:prstGeom prst="rect">
-            <a:avLst/>
-          </a:prstGeom>
-          <a:noFill/>
-        </p:spPr>
-        <p:txBody>
-          <a:bodyPr wrap="square">
-            <a:spAutoFit/>
-          </a:bodyPr>
-          <a:lstStyle/>
-          <a:p>
-            <a:pPr>
-              <a:defRPr sz="800" b="1">
-                <a:solidFill>
-                  <a:srgbClr val="003366"/>
-                </a:solidFill>
-              </a:defRPr>
-            </a:pPr>
-            <a:r>
-              <a:t>CUSTOMER RELATIONSHIPS</a:t>
-            </a:r>
-          </a:p>
-        </p:txBody>
-      </p:sp>
-      <p:sp>
-        <p:nvSpPr>
-          <p:cNvPr id="19" name="TextBox 18"/>
-          <p:cNvSpPr txBox="1"/>
-          <p:nvPr/>
-        </p:nvSpPr>
-        <p:spPr>
-          <a:xfrm>
-            <a:off x="5504688" y="758952"/>
-            <a:ext cx="1581912" cy="1051560"/>
-          </a:xfrm>
-          <a:prstGeom prst="rect">
-            <a:avLst/>
-          </a:prstGeom>
-          <a:noFill/>
-        </p:spPr>
-        <p:txBody>
-          <a:bodyPr wrap="square">
-            <a:spAutoFit/>
-          </a:bodyPr>
-          <a:lstStyle/>
-          <a:p>
-            <a:pPr>
-              <a:spcAft>
-                <a:spcPts val="100"/>
-              </a:spcAft>
-              <a:defRPr sz="600">
-                <a:solidFill>
-                  <a:srgbClr val="323232"/>
-                </a:solidFill>
-              </a:defRPr>
-            </a:pPr>
-            <a:r>
-              <a:t>• Dedicated account mgrs</a:t>
-            </a:r>
-          </a:p>
-          <a:p>
-            <a:pPr>
-              <a:spcAft>
-                <a:spcPts val="100"/>
-              </a:spcAft>
-              <a:defRPr sz="600">
-                <a:solidFill>
-                  <a:srgbClr val="323232"/>
-                </a:solidFill>
-              </a:defRPr>
-            </a:pPr>
-            <a:r>
-              <a:t>• API integration support</a:t>
-            </a:r>
-          </a:p>
-          <a:p>
-            <a:pPr>
-              <a:spcAft>
-                <a:spcPts val="100"/>
-              </a:spcAft>
-              <a:defRPr sz="600">
-                <a:solidFill>
-                  <a:srgbClr val="323232"/>
-                </a:solidFill>
-              </a:defRPr>
-            </a:pPr>
-            <a:r>
-              <a:t>• Performance dashboards</a:t>
-            </a:r>
-          </a:p>
-          <a:p>
-            <a:pPr>
-              <a:spcAft>
-                <a:spcPts val="100"/>
-              </a:spcAft>
-              <a:defRPr sz="600">
-                <a:solidFill>
-                  <a:srgbClr val="323232"/>
-                </a:solidFill>
-              </a:defRPr>
-            </a:pPr>
-            <a:r>
-              <a:t>• SLA guarantees</a:t>
-            </a:r>
-          </a:p>
-          <a:p>
-            <a:pPr>
-              <a:spcAft>
-                <a:spcPts val="100"/>
-              </a:spcAft>
-              <a:defRPr sz="600">
-                <a:solidFill>
-                  <a:srgbClr val="323232"/>
-                </a:solidFill>
-              </a:defRPr>
-            </a:pPr>
-            <a:r>
-              <a:t>• 24/7 support</a:t>
-            </a:r>
-          </a:p>
-        </p:txBody>
-      </p:sp>
-      <p:sp>
-        <p:nvSpPr>
-          <p:cNvPr id="20" name="Rounded Rectangle 19"/>
-          <p:cNvSpPr/>
-          <p:nvPr/>
-        </p:nvSpPr>
-        <p:spPr>
-          <a:xfrm>
-            <a:off x="5431536" y="1920240"/>
-            <a:ext cx="1719072" cy="1371600"/>
-          </a:xfrm>
-          <a:prstGeom prst="roundRect">
-            <a:avLst/>
-          </a:prstGeom>
-          <a:solidFill>
-            <a:srgbClr val="FFF9E6"/>
-          </a:solidFill>
-          <a:ln w="6350">
-            <a:solidFill>
-              <a:srgbClr val="C8C8C8"/>
-            </a:solidFill>
-          </a:ln>
-        </p:spPr>
-        <p:style>
-          <a:lnRef idx="1">
-            <a:schemeClr val="accent1"/>
-          </a:lnRef>
-          <a:fillRef idx="3">
-            <a:schemeClr val="accent1"/>
-          </a:fillRef>
-          <a:effectRef idx="2">
-            <a:schemeClr val="accent1"/>
-          </a:effectRef>
-          <a:fontRef idx="minor">
-            <a:schemeClr val="lt1"/>
-          </a:fontRef>
-        </p:style>
-        <p:txBody>
-          <a:bodyPr rtlCol="0" anchor="ctr"/>
-          <a:lstStyle/>
-          <a:p>
-            <a:pPr algn="ctr"/>
-          </a:p>
-        </p:txBody>
-      </p:sp>
-      <p:sp>
-        <p:nvSpPr>
-          <p:cNvPr id="21" name="TextBox 20"/>
-          <p:cNvSpPr txBox="1"/>
-          <p:nvPr/>
-        </p:nvSpPr>
-        <p:spPr>
-          <a:xfrm>
-            <a:off x="5504688" y="1965960"/>
-            <a:ext cx="1581912" cy="228600"/>
-          </a:xfrm>
-          <a:prstGeom prst="rect">
-            <a:avLst/>
-          </a:prstGeom>
-          <a:noFill/>
-        </p:spPr>
-        <p:txBody>
-          <a:bodyPr wrap="square">
-            <a:spAutoFit/>
-          </a:bodyPr>
-          <a:lstStyle/>
-          <a:p>
-            <a:pPr>
-              <a:defRPr sz="800" b="1">
-                <a:solidFill>
-                  <a:srgbClr val="003366"/>
-                </a:solidFill>
-              </a:defRPr>
-            </a:pPr>
-            <a:r>
-              <a:t>CHANNELS</a:t>
-            </a:r>
-          </a:p>
-        </p:txBody>
-      </p:sp>
-      <p:sp>
-        <p:nvSpPr>
-          <p:cNvPr id="22" name="TextBox 21"/>
-          <p:cNvSpPr txBox="1"/>
-          <p:nvPr/>
-        </p:nvSpPr>
-        <p:spPr>
-          <a:xfrm>
-            <a:off x="5504688" y="2176272"/>
-            <a:ext cx="1581912" cy="1051560"/>
-          </a:xfrm>
-          <a:prstGeom prst="rect">
-            <a:avLst/>
-          </a:prstGeom>
-          <a:noFill/>
-        </p:spPr>
-        <p:txBody>
-          <a:bodyPr wrap="square">
-            <a:spAutoFit/>
-          </a:bodyPr>
-          <a:lstStyle/>
-          <a:p>
-            <a:pPr>
-              <a:spcAft>
-                <a:spcPts val="100"/>
-              </a:spcAft>
-              <a:defRPr sz="600">
-                <a:solidFill>
-                  <a:srgbClr val="323232"/>
-                </a:solidFill>
-              </a:defRPr>
-            </a:pPr>
-            <a:r>
-              <a:t>Acquisition:</a:t>
-            </a:r>
-          </a:p>
-          <a:p>
-            <a:pPr>
-              <a:spcAft>
-                <a:spcPts val="100"/>
-              </a:spcAft>
-              <a:defRPr sz="600">
-                <a:solidFill>
-                  <a:srgbClr val="323232"/>
-                </a:solidFill>
-              </a:defRPr>
-            </a:pPr>
-            <a:r>
-              <a:t>• Direct enterprise sales</a:t>
-            </a:r>
-          </a:p>
-          <a:p>
-            <a:pPr>
-              <a:spcAft>
-                <a:spcPts val="100"/>
-              </a:spcAft>
-              <a:defRPr sz="600">
-                <a:solidFill>
-                  <a:srgbClr val="323232"/>
-                </a:solidFill>
-              </a:defRPr>
-            </a:pPr>
-            <a:r>
-              <a:t>• Industry conferences</a:t>
-            </a:r>
-          </a:p>
-          <a:p>
-            <a:pPr>
-              <a:spcAft>
-                <a:spcPts val="100"/>
-              </a:spcAft>
-              <a:defRPr sz="600">
-                <a:solidFill>
-                  <a:srgbClr val="323232"/>
-                </a:solidFill>
-              </a:defRPr>
-            </a:pPr>
-          </a:p>
-          <a:p>
-            <a:pPr>
-              <a:spcAft>
-                <a:spcPts val="100"/>
-              </a:spcAft>
-              <a:defRPr sz="600">
-                <a:solidFill>
-                  <a:srgbClr val="323232"/>
-                </a:solidFill>
-              </a:defRPr>
-            </a:pPr>
-            <a:r>
-              <a:t>Delivery:</a:t>
-            </a:r>
-          </a:p>
-          <a:p>
-            <a:pPr>
-              <a:spcAft>
-                <a:spcPts val="100"/>
-              </a:spcAft>
-              <a:defRPr sz="600">
-                <a:solidFill>
-                  <a:srgbClr val="323232"/>
-                </a:solidFill>
-              </a:defRPr>
-            </a:pPr>
-            <a:r>
-              <a:t>• Fleet dashboard</a:t>
-            </a:r>
-          </a:p>
-          <a:p>
-            <a:pPr>
-              <a:spcAft>
-                <a:spcPts val="100"/>
-              </a:spcAft>
-              <a:defRPr sz="600">
-                <a:solidFill>
-                  <a:srgbClr val="323232"/>
-                </a:solidFill>
-              </a:defRPr>
-            </a:pPr>
-            <a:r>
-              <a:t>• API integration</a:t>
-            </a:r>
-          </a:p>
-          <a:p>
-            <a:pPr>
-              <a:spcAft>
-                <a:spcPts val="100"/>
-              </a:spcAft>
-              <a:defRPr sz="600">
-                <a:solidFill>
-                  <a:srgbClr val="323232"/>
-                </a:solidFill>
-              </a:defRPr>
-            </a:pPr>
-            <a:r>
-              <a:t>• Mobile dispatch</a:t>
-            </a:r>
-          </a:p>
-        </p:txBody>
-      </p:sp>
-      <p:sp>
-        <p:nvSpPr>
-          <p:cNvPr id="23" name="Rounded Rectangle 22"/>
-          <p:cNvSpPr/>
-          <p:nvPr/>
-        </p:nvSpPr>
-        <p:spPr>
-          <a:xfrm>
-            <a:off x="7196328" y="502920"/>
-            <a:ext cx="1719072" cy="2788920"/>
-          </a:xfrm>
-          <a:prstGeom prst="roundRect">
-            <a:avLst/>
-          </a:prstGeom>
-          <a:solidFill>
-            <a:srgbClr val="FFF9E6"/>
-          </a:solidFill>
-          <a:ln w="6350">
-            <a:solidFill>
-              <a:srgbClr val="C8C8C8"/>
-            </a:solidFill>
-          </a:ln>
-        </p:spPr>
-        <p:style>
-          <a:lnRef idx="1">
-            <a:schemeClr val="accent1"/>
-          </a:lnRef>
-          <a:fillRef idx="3">
-            <a:schemeClr val="accent1"/>
-          </a:fillRef>
-          <a:effectRef idx="2">
-            <a:schemeClr val="accent1"/>
-          </a:effectRef>
-          <a:fontRef idx="minor">
-            <a:schemeClr val="lt1"/>
-          </a:fontRef>
-        </p:style>
-        <p:txBody>
-          <a:bodyPr rtlCol="0" anchor="ctr"/>
-          <a:lstStyle/>
-          <a:p>
-            <a:pPr algn="ctr"/>
-          </a:p>
-        </p:txBody>
-      </p:sp>
-      <p:sp>
-        <p:nvSpPr>
-          <p:cNvPr id="24" name="TextBox 23"/>
-          <p:cNvSpPr txBox="1"/>
-          <p:nvPr/>
-        </p:nvSpPr>
-        <p:spPr>
-          <a:xfrm>
-            <a:off x="7269480" y="548640"/>
-            <a:ext cx="1581912" cy="228600"/>
-          </a:xfrm>
-          <a:prstGeom prst="rect">
-            <a:avLst/>
-          </a:prstGeom>
-          <a:noFill/>
-        </p:spPr>
-        <p:txBody>
-          <a:bodyPr wrap="square">
-            <a:spAutoFit/>
-          </a:bodyPr>
-          <a:lstStyle/>
-          <a:p>
-            <a:pPr>
-              <a:defRPr sz="800" b="1">
-                <a:solidFill>
-                  <a:srgbClr val="003366"/>
-                </a:solidFill>
-              </a:defRPr>
-            </a:pPr>
-            <a:r>
-              <a:t>CUSTOMER SEGMENTS</a:t>
-            </a:r>
-          </a:p>
-        </p:txBody>
-      </p:sp>
-      <p:sp>
-        <p:nvSpPr>
-          <p:cNvPr id="25" name="TextBox 24"/>
-          <p:cNvSpPr txBox="1"/>
-          <p:nvPr/>
-        </p:nvSpPr>
-        <p:spPr>
-          <a:xfrm>
-            <a:off x="7269480" y="758952"/>
-            <a:ext cx="1581912" cy="2468880"/>
-          </a:xfrm>
-          <a:prstGeom prst="rect">
-            <a:avLst/>
-          </a:prstGeom>
-          <a:noFill/>
-        </p:spPr>
-        <p:txBody>
-          <a:bodyPr wrap="square">
-            <a:spAutoFit/>
-          </a:bodyPr>
-          <a:lstStyle/>
-          <a:p>
-            <a:pPr>
-              <a:spcAft>
-                <a:spcPts val="100"/>
-              </a:spcAft>
-              <a:defRPr sz="600">
-                <a:solidFill>
-                  <a:srgbClr val="323232"/>
-                </a:solidFill>
-              </a:defRPr>
-            </a:pPr>
-            <a:r>
-              <a:t>Primary:</a:t>
-            </a:r>
-          </a:p>
-          <a:p>
-            <a:pPr>
-              <a:spcAft>
-                <a:spcPts val="100"/>
-              </a:spcAft>
-              <a:defRPr sz="600">
-                <a:solidFill>
-                  <a:srgbClr val="323232"/>
-                </a:solidFill>
-              </a:defRPr>
-            </a:pPr>
-            <a:r>
-              <a:t>• Waymo (2,500+ vehicles)</a:t>
-            </a:r>
-          </a:p>
-          <a:p>
-            <a:pPr>
-              <a:spcAft>
-                <a:spcPts val="100"/>
-              </a:spcAft>
-              <a:defRPr sz="600">
-                <a:solidFill>
-                  <a:srgbClr val="323232"/>
-                </a:solidFill>
-              </a:defRPr>
-            </a:pPr>
-            <a:r>
-              <a:t>• Cruise (rebuilding)</a:t>
-            </a:r>
-          </a:p>
-          <a:p>
-            <a:pPr>
-              <a:spcAft>
-                <a:spcPts val="100"/>
-              </a:spcAft>
-              <a:defRPr sz="600">
-                <a:solidFill>
-                  <a:srgbClr val="323232"/>
-                </a:solidFill>
-              </a:defRPr>
-            </a:pPr>
-            <a:r>
-              <a:t>• Zoox (Amazon)</a:t>
-            </a:r>
-          </a:p>
-          <a:p>
-            <a:pPr>
-              <a:spcAft>
-                <a:spcPts val="100"/>
-              </a:spcAft>
-              <a:defRPr sz="600">
-                <a:solidFill>
-                  <a:srgbClr val="323232"/>
-                </a:solidFill>
-              </a:defRPr>
-            </a:pPr>
-            <a:r>
-              <a:t>• Tesla Robotaxi</a:t>
-            </a:r>
-          </a:p>
-          <a:p>
-            <a:pPr>
-              <a:spcAft>
-                <a:spcPts val="100"/>
-              </a:spcAft>
-              <a:defRPr sz="600">
-                <a:solidFill>
-                  <a:srgbClr val="323232"/>
-                </a:solidFill>
-              </a:defRPr>
-            </a:pPr>
-          </a:p>
-          <a:p>
-            <a:pPr>
-              <a:spcAft>
-                <a:spcPts val="100"/>
-              </a:spcAft>
-              <a:defRPr sz="600">
-                <a:solidFill>
-                  <a:srgbClr val="323232"/>
-                </a:solidFill>
-              </a:defRPr>
-            </a:pPr>
-            <a:r>
-              <a:t>Secondary:</a:t>
-            </a:r>
-          </a:p>
-          <a:p>
-            <a:pPr>
-              <a:spcAft>
-                <a:spcPts val="100"/>
-              </a:spcAft>
-              <a:defRPr sz="600">
-                <a:solidFill>
-                  <a:srgbClr val="323232"/>
-                </a:solidFill>
-              </a:defRPr>
-            </a:pPr>
-            <a:r>
-              <a:t>• Amazon Delivery EVs</a:t>
-            </a:r>
-          </a:p>
-          <a:p>
-            <a:pPr>
-              <a:spcAft>
-                <a:spcPts val="100"/>
-              </a:spcAft>
-              <a:defRPr sz="600">
-                <a:solidFill>
-                  <a:srgbClr val="323232"/>
-                </a:solidFill>
-              </a:defRPr>
-            </a:pPr>
-            <a:r>
-              <a:t>• FedEx/UPS electric</a:t>
-            </a:r>
-          </a:p>
-          <a:p>
-            <a:pPr>
-              <a:spcAft>
-                <a:spcPts val="100"/>
-              </a:spcAft>
-              <a:defRPr sz="600">
-                <a:solidFill>
-                  <a:srgbClr val="323232"/>
-                </a:solidFill>
-              </a:defRPr>
-            </a:pPr>
-          </a:p>
-          <a:p>
-            <a:pPr>
-              <a:spcAft>
-                <a:spcPts val="100"/>
-              </a:spcAft>
-              <a:defRPr sz="600">
-                <a:solidFill>
-                  <a:srgbClr val="323232"/>
-                </a:solidFill>
-              </a:defRPr>
-            </a:pPr>
-            <a:r>
-              <a:t>Buyers:</a:t>
-            </a:r>
-          </a:p>
-          <a:p>
-            <a:pPr>
-              <a:spcAft>
-                <a:spcPts val="100"/>
-              </a:spcAft>
-              <a:defRPr sz="600">
-                <a:solidFill>
-                  <a:srgbClr val="323232"/>
-                </a:solidFill>
-              </a:defRPr>
-            </a:pPr>
-            <a:r>
-              <a:t>• VP of Operations</a:t>
-            </a:r>
-          </a:p>
-          <a:p>
-            <a:pPr>
-              <a:spcAft>
-                <a:spcPts val="100"/>
-              </a:spcAft>
-              <a:defRPr sz="600">
-                <a:solidFill>
-                  <a:srgbClr val="323232"/>
-                </a:solidFill>
-              </a:defRPr>
-            </a:pPr>
-            <a:r>
-              <a:t>• Fleet Ops Manager</a:t>
-            </a:r>
-          </a:p>
-        </p:txBody>
-      </p:sp>
-      <p:sp>
-        <p:nvSpPr>
-          <p:cNvPr id="26" name="Rounded Rectangle 25"/>
-          <p:cNvSpPr/>
-          <p:nvPr/>
-        </p:nvSpPr>
-        <p:spPr>
-          <a:xfrm>
-            <a:off x="137160" y="3337560"/>
-            <a:ext cx="3483864" cy="914400"/>
-          </a:xfrm>
-          <a:prstGeom prst="roundRect">
-            <a:avLst/>
-          </a:prstGeom>
-          <a:solidFill>
-            <a:srgbClr val="F0F0F0"/>
-          </a:solidFill>
-          <a:ln w="6350">
-            <a:solidFill>
-              <a:srgbClr val="C8C8C8"/>
-            </a:solidFill>
-          </a:ln>
-        </p:spPr>
-        <p:style>
-          <a:lnRef idx="1">
-            <a:schemeClr val="accent1"/>
-          </a:lnRef>
-          <a:fillRef idx="3">
-            <a:schemeClr val="accent1"/>
-          </a:fillRef>
-          <a:effectRef idx="2">
-            <a:schemeClr val="accent1"/>
-          </a:effectRef>
-          <a:fontRef idx="minor">
-            <a:schemeClr val="lt1"/>
-          </a:fontRef>
-        </p:style>
-        <p:txBody>
-          <a:bodyPr rtlCol="0" anchor="ctr"/>
-          <a:lstStyle/>
-          <a:p>
-            <a:pPr algn="ctr"/>
-          </a:p>
-        </p:txBody>
-      </p:sp>
-      <p:sp>
-        <p:nvSpPr>
-          <p:cNvPr id="27" name="TextBox 26"/>
-          <p:cNvSpPr txBox="1"/>
-          <p:nvPr/>
-        </p:nvSpPr>
-        <p:spPr>
-          <a:xfrm>
-            <a:off x="210312" y="3383280"/>
-            <a:ext cx="3346704" cy="228600"/>
-          </a:xfrm>
-          <a:prstGeom prst="rect">
-            <a:avLst/>
-          </a:prstGeom>
-          <a:noFill/>
-        </p:spPr>
-        <p:txBody>
-          <a:bodyPr wrap="square">
-            <a:spAutoFit/>
-          </a:bodyPr>
-          <a:lstStyle/>
-          <a:p>
-            <a:pPr>
-              <a:defRPr sz="800" b="1">
-                <a:solidFill>
-                  <a:srgbClr val="003366"/>
-                </a:solidFill>
-              </a:defRPr>
-            </a:pPr>
-            <a:r>
-              <a:t>COST STRUCTURE</a:t>
-            </a:r>
-          </a:p>
-        </p:txBody>
-      </p:sp>
-      <p:sp>
-        <p:nvSpPr>
-          <p:cNvPr id="28" name="TextBox 27"/>
-          <p:cNvSpPr txBox="1"/>
-          <p:nvPr/>
-        </p:nvSpPr>
-        <p:spPr>
-          <a:xfrm>
-            <a:off x="210312" y="3593592"/>
-            <a:ext cx="3346704" cy="594360"/>
-          </a:xfrm>
-          <a:prstGeom prst="rect">
-            <a:avLst/>
-          </a:prstGeom>
-          <a:noFill/>
-        </p:spPr>
-        <p:txBody>
-          <a:bodyPr wrap="square">
-            <a:spAutoFit/>
-          </a:bodyPr>
-          <a:lstStyle/>
-          <a:p>
-            <a:pPr>
-              <a:spcAft>
-                <a:spcPts val="100"/>
-              </a:spcAft>
-              <a:defRPr sz="600">
-                <a:solidFill>
-                  <a:srgbClr val="323232"/>
-                </a:solidFill>
-              </a:defRPr>
-            </a:pPr>
-            <a:r>
-              <a:t>Variable: Tech payouts (65-70%), Payment processing (2-3%)</a:t>
-            </a:r>
-          </a:p>
-          <a:p>
-            <a:pPr>
-              <a:spcAft>
-                <a:spcPts val="100"/>
-              </a:spcAft>
-              <a:defRPr sz="600">
-                <a:solidFill>
-                  <a:srgbClr val="323232"/>
-                </a:solidFill>
-              </a:defRPr>
-            </a:pPr>
-            <a:r>
-              <a:t>Fixed: Platform ($15-20K/mo), Team ($40-60K/mo), Marketing ($10-15K/mo)</a:t>
-            </a:r>
-          </a:p>
-          <a:p>
-            <a:pPr>
-              <a:spcAft>
-                <a:spcPts val="100"/>
-              </a:spcAft>
-              <a:defRPr sz="600">
-                <a:solidFill>
-                  <a:srgbClr val="323232"/>
-                </a:solidFill>
-              </a:defRPr>
-            </a:pPr>
-            <a:r>
-              <a:t>Seed: $1.5M total</a:t>
-            </a:r>
-          </a:p>
-        </p:txBody>
-      </p:sp>
-      <p:sp>
-        <p:nvSpPr>
-          <p:cNvPr id="29" name="Rounded Rectangle 28"/>
-          <p:cNvSpPr/>
-          <p:nvPr/>
-        </p:nvSpPr>
-        <p:spPr>
-          <a:xfrm>
-            <a:off x="3666744" y="3337560"/>
-            <a:ext cx="5248656" cy="914400"/>
-          </a:xfrm>
-          <a:prstGeom prst="roundRect">
-            <a:avLst/>
-          </a:prstGeom>
-          <a:solidFill>
-            <a:srgbClr val="DBEAFE"/>
-          </a:solidFill>
-          <a:ln w="6350">
-            <a:solidFill>
-              <a:srgbClr val="C8C8C8"/>
-            </a:solidFill>
-          </a:ln>
-        </p:spPr>
-        <p:style>
-          <a:lnRef idx="1">
-            <a:schemeClr val="accent1"/>
-          </a:lnRef>
-          <a:fillRef idx="3">
-            <a:schemeClr val="accent1"/>
-          </a:fillRef>
-          <a:effectRef idx="2">
-            <a:schemeClr val="accent1"/>
-          </a:effectRef>
-          <a:fontRef idx="minor">
-            <a:schemeClr val="lt1"/>
-          </a:fontRef>
-        </p:style>
-        <p:txBody>
-          <a:bodyPr rtlCol="0" anchor="ctr"/>
-          <a:lstStyle/>
-          <a:p>
-            <a:pPr algn="ctr"/>
-          </a:p>
-        </p:txBody>
-      </p:sp>
-      <p:sp>
-        <p:nvSpPr>
-          <p:cNvPr id="30" name="TextBox 29"/>
-          <p:cNvSpPr txBox="1"/>
-          <p:nvPr/>
-        </p:nvSpPr>
-        <p:spPr>
-          <a:xfrm>
-            <a:off x="3739896" y="3383280"/>
-            <a:ext cx="5111496" cy="228600"/>
-          </a:xfrm>
-          <a:prstGeom prst="rect">
-            <a:avLst/>
-          </a:prstGeom>
-          <a:noFill/>
-        </p:spPr>
-        <p:txBody>
-          <a:bodyPr wrap="square">
-            <a:spAutoFit/>
-          </a:bodyPr>
-          <a:lstStyle/>
-          <a:p>
-            <a:pPr>
-              <a:defRPr sz="800" b="1">
-                <a:solidFill>
-                  <a:srgbClr val="003366"/>
-                </a:solidFill>
-              </a:defRPr>
-            </a:pPr>
-            <a:r>
-              <a:t>REVENUE STREAMS</a:t>
-            </a:r>
-          </a:p>
-        </p:txBody>
-      </p:sp>
-      <p:sp>
-        <p:nvSpPr>
-          <p:cNvPr id="31" name="TextBox 30"/>
-          <p:cNvSpPr txBox="1"/>
-          <p:nvPr/>
-        </p:nvSpPr>
-        <p:spPr>
-          <a:xfrm>
-            <a:off x="3739896" y="3593592"/>
-            <a:ext cx="5111496" cy="594360"/>
-          </a:xfrm>
-          <a:prstGeom prst="rect">
-            <a:avLst/>
-          </a:prstGeom>
-          <a:noFill/>
-        </p:spPr>
-        <p:txBody>
-          <a:bodyPr wrap="square">
-            <a:spAutoFit/>
-          </a:bodyPr>
-          <a:lstStyle/>
-          <a:p>
-            <a:pPr>
-              <a:spcAft>
-                <a:spcPts val="100"/>
-              </a:spcAft>
-              <a:defRPr sz="600">
-                <a:solidFill>
-                  <a:srgbClr val="323232"/>
-                </a:solidFill>
-              </a:defRPr>
-            </a:pPr>
-            <a:r>
-              <a:t>Services: Quick ($12-18) | Deep ($45-75) | Emergency ($75-150)</a:t>
-            </a:r>
-          </a:p>
-          <a:p>
-            <a:pPr>
-              <a:spcAft>
-                <a:spcPts val="100"/>
-              </a:spcAft>
-              <a:defRPr sz="600">
-                <a:solidFill>
-                  <a:srgbClr val="323232"/>
-                </a:solidFill>
-              </a:defRPr>
-            </a:pPr>
-            <a:r>
-              <a:t>Unit Economics: Avg $15/service, 30% margin ($4-5), Target 10K/day</a:t>
-            </a:r>
-          </a:p>
-          <a:p>
-            <a:pPr>
-              <a:spcAft>
-                <a:spcPts val="100"/>
-              </a:spcAft>
-              <a:defRPr sz="600">
-                <a:solidFill>
-                  <a:srgbClr val="323232"/>
-                </a:solidFill>
-              </a:defRPr>
-            </a:pPr>
-            <a:r>
-              <a:t>Projections: Y1 $1.2M → Y2 $5.5M → Y3 $15M | TAM 2032: $5.5B</a:t>
             </a:r>
           </a:p>
         </p:txBody>
